--- a/影像專題.pptx
+++ b/影像專題.pptx
@@ -22,9 +22,9 @@
     <p:sldId id="358" r:id="rId13"/>
     <p:sldId id="340" r:id="rId14"/>
     <p:sldId id="362" r:id="rId15"/>
-    <p:sldId id="346" r:id="rId16"/>
-    <p:sldId id="335" r:id="rId17"/>
-    <p:sldId id="300" r:id="rId18"/>
+    <p:sldId id="365" r:id="rId16"/>
+    <p:sldId id="366" r:id="rId17"/>
+    <p:sldId id="346" r:id="rId18"/>
   </p:sldIdLst>
   <p:sldSz cx="12192000" cy="6858000"/>
   <p:notesSz cx="6858000" cy="9144000"/>
@@ -144,9 +144,9 @@
         <p14:section name="未命名的章節" id="{BE42A29C-1DEB-4E16-80CD-5058FA7CFC43}">
           <p14:sldIdLst>
             <p14:sldId id="362"/>
+            <p14:sldId id="365"/>
+            <p14:sldId id="366"/>
             <p14:sldId id="346"/>
-            <p14:sldId id="335"/>
-            <p14:sldId id="300"/>
           </p14:sldIdLst>
         </p14:section>
       </p14:sectionLst>
@@ -251,7 +251,7 @@
           <a:p>
             <a:fld id="{4AAAF045-FEF6-43EA-9CDC-C84FC3F85E9C}" type="datetimeFigureOut">
               <a:rPr lang="en-US" smtClean="0"/>
-              <a:t>12/23/2022</a:t>
+              <a:t>12/24/2022</a:t>
             </a:fld>
             <a:endParaRPr lang="en-US"/>
           </a:p>
@@ -8894,7 +8894,7 @@
               <a:t>的</a:t>
             </a:r>
             <a:r>
-              <a:rPr lang="en-US" altLang="ko-KR" sz="2800" dirty="0">
+              <a:rPr lang="en-US" altLang="ko-KR" sz="2800" dirty="0" smtClean="0">
                 <a:solidFill>
                   <a:schemeClr val="tx1">
                     <a:lumMod val="75000"/>
@@ -8904,7 +8904,33 @@
                 <a:latin typeface="標楷體" panose="03000509000000000000" pitchFamily="65" charset="-120"/>
                 <a:ea typeface="標楷體" panose="03000509000000000000" pitchFamily="65" charset="-120"/>
               </a:rPr>
-              <a:t>img154-img172</a:t>
+              <a:t>img154</a:t>
+            </a:r>
+            <a:r>
+              <a:rPr lang="zh-TW" altLang="en-US" sz="2800" dirty="0" smtClean="0">
+                <a:solidFill>
+                  <a:schemeClr val="tx1">
+                    <a:lumMod val="75000"/>
+                    <a:lumOff val="25000"/>
+                  </a:schemeClr>
+                </a:solidFill>
+                <a:latin typeface="標楷體" panose="03000509000000000000" pitchFamily="65" charset="-120"/>
+                <a:ea typeface="標楷體" panose="03000509000000000000" pitchFamily="65" charset="-120"/>
+              </a:rPr>
+              <a:t>、</a:t>
+            </a:r>
+            <a:r>
+              <a:rPr lang="en-US" altLang="ko-KR" sz="2800" dirty="0" smtClean="0">
+                <a:solidFill>
+                  <a:schemeClr val="tx1">
+                    <a:lumMod val="75000"/>
+                    <a:lumOff val="25000"/>
+                  </a:schemeClr>
+                </a:solidFill>
+                <a:latin typeface="標楷體" panose="03000509000000000000" pitchFamily="65" charset="-120"/>
+                <a:ea typeface="標楷體" panose="03000509000000000000" pitchFamily="65" charset="-120"/>
+              </a:rPr>
+              <a:t>img172</a:t>
             </a:r>
             <a:r>
               <a:rPr lang="ko-KR" altLang="en-US" sz="2800" dirty="0">
@@ -9063,7 +9089,7 @@
               <a:t>的</a:t>
             </a:r>
             <a:r>
-              <a:rPr lang="en-US" altLang="ko-KR" sz="2800" dirty="0">
+              <a:rPr lang="en-US" altLang="ko-KR" sz="2800" dirty="0" smtClean="0">
                 <a:solidFill>
                   <a:schemeClr val="tx1">
                     <a:lumMod val="75000"/>
@@ -9073,7 +9099,33 @@
                 <a:latin typeface="標楷體" panose="03000509000000000000" pitchFamily="65" charset="-120"/>
                 <a:ea typeface="標楷體" panose="03000509000000000000" pitchFamily="65" charset="-120"/>
               </a:rPr>
-              <a:t>img2-img154</a:t>
+              <a:t>img2</a:t>
+            </a:r>
+            <a:r>
+              <a:rPr lang="zh-TW" altLang="en-US" sz="2800" dirty="0" smtClean="0">
+                <a:solidFill>
+                  <a:schemeClr val="tx1">
+                    <a:lumMod val="75000"/>
+                    <a:lumOff val="25000"/>
+                  </a:schemeClr>
+                </a:solidFill>
+                <a:latin typeface="標楷體" panose="03000509000000000000" pitchFamily="65" charset="-120"/>
+                <a:ea typeface="標楷體" panose="03000509000000000000" pitchFamily="65" charset="-120"/>
+              </a:rPr>
+              <a:t>、</a:t>
+            </a:r>
+            <a:r>
+              <a:rPr lang="en-US" altLang="ko-KR" sz="2800" dirty="0" smtClean="0">
+                <a:solidFill>
+                  <a:schemeClr val="tx1">
+                    <a:lumMod val="75000"/>
+                    <a:lumOff val="25000"/>
+                  </a:schemeClr>
+                </a:solidFill>
+                <a:latin typeface="標楷體" panose="03000509000000000000" pitchFamily="65" charset="-120"/>
+                <a:ea typeface="標楷體" panose="03000509000000000000" pitchFamily="65" charset="-120"/>
+              </a:rPr>
+              <a:t>img154</a:t>
             </a:r>
             <a:r>
               <a:rPr lang="ko-KR" altLang="en-US" sz="2800" dirty="0">
@@ -9835,11 +9887,6 @@
               </a:rPr>
               <a:t>6</a:t>
             </a:r>
-            <a:endParaRPr lang="en-JM" sz="2700" dirty="0">
-              <a:solidFill>
-                <a:schemeClr val="bg1"/>
-              </a:solidFill>
-            </a:endParaRPr>
           </a:p>
         </p:txBody>
       </p:sp>
@@ -9901,11 +9948,6 @@
               </a:rPr>
               <a:t>7</a:t>
             </a:r>
-            <a:endParaRPr lang="en-JM" sz="2700" dirty="0">
-              <a:solidFill>
-                <a:schemeClr val="bg1"/>
-              </a:solidFill>
-            </a:endParaRPr>
           </a:p>
         </p:txBody>
       </p:sp>
@@ -9967,11 +10009,6 @@
               </a:rPr>
               <a:t>8</a:t>
             </a:r>
-            <a:endParaRPr lang="en-JM" sz="2700" dirty="0">
-              <a:solidFill>
-                <a:schemeClr val="bg1"/>
-              </a:solidFill>
-            </a:endParaRPr>
           </a:p>
         </p:txBody>
       </p:sp>
@@ -10033,11 +10070,6 @@
               </a:rPr>
               <a:t>5</a:t>
             </a:r>
-            <a:endParaRPr lang="en-JM" sz="2700" dirty="0">
-              <a:solidFill>
-                <a:schemeClr val="bg1"/>
-              </a:solidFill>
-            </a:endParaRPr>
           </a:p>
         </p:txBody>
       </p:sp>
@@ -10056,7 +10088,7 @@
         <p:spPr>
           <a:xfrm>
             <a:off x="1719909" y="5136585"/>
-            <a:ext cx="7501531" cy="1384995"/>
+            <a:ext cx="7501531" cy="954107"/>
           </a:xfrm>
           <a:prstGeom prst="rect">
             <a:avLst/>
@@ -10070,7 +10102,7 @@
           <a:lstStyle/>
           <a:p>
             <a:r>
-              <a:rPr lang="zh-TW" altLang="en-US" sz="2800" dirty="0">
+              <a:rPr lang="zh-TW" altLang="en-US" sz="2800" dirty="0" smtClean="0">
                 <a:solidFill>
                   <a:schemeClr val="tx1">
                     <a:lumMod val="75000"/>
@@ -10080,10 +10112,10 @@
                 <a:latin typeface="標楷體" panose="03000509000000000000" pitchFamily="65" charset="-120"/>
                 <a:ea typeface="標楷體" panose="03000509000000000000" pitchFamily="65" charset="-120"/>
               </a:rPr>
-              <a:t>因為檢測部分是別人寫的</a:t>
-            </a:r>
-            <a:r>
-              <a:rPr lang="zh-TW" altLang="en-US" sz="2800" dirty="0" smtClean="0">
+              <a:t>檢測部分較</a:t>
+            </a:r>
+            <a:r>
+              <a:rPr lang="zh-TW" altLang="en-US" sz="2800" dirty="0">
                 <a:solidFill>
                   <a:schemeClr val="tx1">
                     <a:lumMod val="75000"/>
@@ -10093,45 +10125,7 @@
                 <a:latin typeface="標楷體" panose="03000509000000000000" pitchFamily="65" charset="-120"/>
                 <a:ea typeface="標楷體" panose="03000509000000000000" pitchFamily="65" charset="-120"/>
               </a:rPr>
-              <a:t>，</a:t>
-            </a:r>
-            <a:endParaRPr lang="en-US" altLang="zh-TW" sz="2800" dirty="0" smtClean="0">
-              <a:solidFill>
-                <a:schemeClr val="tx1">
-                  <a:lumMod val="75000"/>
-                  <a:lumOff val="25000"/>
-                </a:schemeClr>
-              </a:solidFill>
-              <a:latin typeface="標楷體" panose="03000509000000000000" pitchFamily="65" charset="-120"/>
-              <a:ea typeface="標楷體" panose="03000509000000000000" pitchFamily="65" charset="-120"/>
-            </a:endParaRPr>
-          </a:p>
-          <a:p>
-            <a:r>
-              <a:rPr lang="zh-TW" altLang="en-US" sz="2800" dirty="0" smtClean="0">
-                <a:solidFill>
-                  <a:schemeClr val="tx1">
-                    <a:lumMod val="75000"/>
-                    <a:lumOff val="25000"/>
-                  </a:schemeClr>
-                </a:solidFill>
-                <a:latin typeface="標楷體" panose="03000509000000000000" pitchFamily="65" charset="-120"/>
-                <a:ea typeface="標楷體" panose="03000509000000000000" pitchFamily="65" charset="-120"/>
-              </a:rPr>
-              <a:t>所以</a:t>
-            </a:r>
-            <a:r>
-              <a:rPr lang="zh-TW" altLang="en-US" sz="2800" dirty="0">
-                <a:solidFill>
-                  <a:schemeClr val="tx1">
-                    <a:lumMod val="75000"/>
-                    <a:lumOff val="25000"/>
-                  </a:schemeClr>
-                </a:solidFill>
-                <a:latin typeface="標楷體" panose="03000509000000000000" pitchFamily="65" charset="-120"/>
-                <a:ea typeface="標楷體" panose="03000509000000000000" pitchFamily="65" charset="-120"/>
-              </a:rPr>
-              <a:t>較弱</a:t>
+              <a:t>弱</a:t>
             </a:r>
             <a:r>
               <a:rPr lang="zh-TW" altLang="en-US" sz="2800" dirty="0" smtClean="0">
@@ -10775,6 +10769,2368 @@
 </file>
 
 <file path=ppt/slides/slide13.xml><?xml version="1.0" encoding="utf-8"?>
+<p:sld xmlns:a="http://schemas.openxmlformats.org/drawingml/2006/main" xmlns:r="http://schemas.openxmlformats.org/officeDocument/2006/relationships" xmlns:p="http://schemas.openxmlformats.org/presentationml/2006/main">
+  <p:cSld>
+    <p:spTree>
+      <p:nvGrpSpPr>
+        <p:cNvPr id="1" name=""/>
+        <p:cNvGrpSpPr/>
+        <p:nvPr/>
+      </p:nvGrpSpPr>
+      <p:grpSpPr>
+        <a:xfrm>
+          <a:off x="0" y="0"/>
+          <a:ext cx="0" cy="0"/>
+          <a:chOff x="0" y="0"/>
+          <a:chExt cx="0" cy="0"/>
+        </a:xfrm>
+      </p:grpSpPr>
+      <p:sp>
+        <p:nvSpPr>
+          <p:cNvPr id="4" name="TextBox 3">
+            <a:extLst>
+              <a:ext uri="{FF2B5EF4-FFF2-40B4-BE49-F238E27FC236}">
+                <a16:creationId xmlns:a16="http://schemas.microsoft.com/office/drawing/2014/main" id="{15A4BDA0-C270-4764-9C18-A593BCE2C965}"/>
+              </a:ext>
+            </a:extLst>
+          </p:cNvPr>
+          <p:cNvSpPr txBox="1"/>
+          <p:nvPr/>
+        </p:nvSpPr>
+        <p:spPr>
+          <a:xfrm>
+            <a:off x="0" y="104658"/>
+            <a:ext cx="12192000" cy="923330"/>
+          </a:xfrm>
+          <a:prstGeom prst="rect">
+            <a:avLst/>
+          </a:prstGeom>
+          <a:noFill/>
+        </p:spPr>
+        <p:txBody>
+          <a:bodyPr wrap="square" rtlCol="0" anchor="ctr">
+            <a:spAutoFit/>
+          </a:bodyPr>
+          <a:lstStyle/>
+          <a:p>
+            <a:pPr algn="ctr"/>
+            <a:r>
+              <a:rPr lang="zh-TW" altLang="en-US" sz="5400" b="1" dirty="0" smtClean="0">
+                <a:solidFill>
+                  <a:schemeClr val="bg1"/>
+                </a:solidFill>
+                <a:latin typeface="標楷體" panose="03000509000000000000" pitchFamily="65" charset="-120"/>
+                <a:ea typeface="標楷體" panose="03000509000000000000" pitchFamily="65" charset="-120"/>
+                <a:cs typeface="Arial" pitchFamily="34" charset="0"/>
+              </a:rPr>
+              <a:t>成果</a:t>
+            </a:r>
+            <a:endParaRPr lang="ko-KR" altLang="en-US" sz="5400" b="1" dirty="0">
+              <a:solidFill>
+                <a:schemeClr val="bg1"/>
+              </a:solidFill>
+              <a:latin typeface="標楷體" panose="03000509000000000000" pitchFamily="65" charset="-120"/>
+              <a:cs typeface="Arial" pitchFamily="34" charset="0"/>
+            </a:endParaRPr>
+          </a:p>
+        </p:txBody>
+      </p:sp>
+      <p:grpSp>
+        <p:nvGrpSpPr>
+          <p:cNvPr id="2" name="그룹 1">
+            <a:extLst>
+              <a:ext uri="{FF2B5EF4-FFF2-40B4-BE49-F238E27FC236}">
+                <a16:creationId xmlns:a16="http://schemas.microsoft.com/office/drawing/2014/main" id="{F106C7E5-9013-4496-8751-73207C3F7FA5}"/>
+              </a:ext>
+            </a:extLst>
+          </p:cNvPr>
+          <p:cNvGrpSpPr/>
+          <p:nvPr/>
+        </p:nvGrpSpPr>
+        <p:grpSpPr>
+          <a:xfrm>
+            <a:off x="610359" y="1653600"/>
+            <a:ext cx="5128379" cy="1569660"/>
+            <a:chOff x="610359" y="1897440"/>
+            <a:chExt cx="5128379" cy="1569660"/>
+          </a:xfrm>
+        </p:grpSpPr>
+        <p:grpSp>
+          <p:nvGrpSpPr>
+            <p:cNvPr id="5" name="Group 6">
+              <a:extLst>
+                <a:ext uri="{FF2B5EF4-FFF2-40B4-BE49-F238E27FC236}">
+                  <a16:creationId xmlns:a16="http://schemas.microsoft.com/office/drawing/2014/main" id="{037F574A-B71F-4982-8261-91249FD0ED5B}"/>
+                </a:ext>
+              </a:extLst>
+            </p:cNvPr>
+            <p:cNvGrpSpPr/>
+            <p:nvPr/>
+          </p:nvGrpSpPr>
+          <p:grpSpPr>
+            <a:xfrm>
+              <a:off x="2249993" y="2000241"/>
+              <a:ext cx="3488745" cy="1070610"/>
+              <a:chOff x="1797648" y="951079"/>
+              <a:chExt cx="3488745" cy="1070610"/>
+            </a:xfrm>
+          </p:grpSpPr>
+          <p:sp>
+            <p:nvSpPr>
+              <p:cNvPr id="6" name="TextBox 5">
+                <a:extLst>
+                  <a:ext uri="{FF2B5EF4-FFF2-40B4-BE49-F238E27FC236}">
+                    <a16:creationId xmlns:a16="http://schemas.microsoft.com/office/drawing/2014/main" id="{35AA73B7-35EF-4ED3-B238-DBE30E4B82EE}"/>
+                  </a:ext>
+                </a:extLst>
+              </p:cNvPr>
+              <p:cNvSpPr txBox="1"/>
+              <p:nvPr/>
+            </p:nvSpPr>
+            <p:spPr>
+              <a:xfrm>
+                <a:off x="1797648" y="951079"/>
+                <a:ext cx="3488745" cy="338554"/>
+              </a:xfrm>
+              <a:prstGeom prst="rect">
+                <a:avLst/>
+              </a:prstGeom>
+              <a:noFill/>
+            </p:spPr>
+            <p:txBody>
+              <a:bodyPr wrap="square" lIns="108000" rIns="108000" rtlCol="0">
+                <a:spAutoFit/>
+              </a:bodyPr>
+              <a:lstStyle/>
+              <a:p>
+                <a:r>
+                  <a:rPr lang="en-US" altLang="zh-TW" sz="1600" b="1" dirty="0">
+                    <a:solidFill>
+                      <a:schemeClr val="bg1"/>
+                    </a:solidFill>
+                    <a:latin typeface="標楷體" panose="03000509000000000000" pitchFamily="65" charset="-120"/>
+                    <a:ea typeface="標楷體" panose="03000509000000000000" pitchFamily="65" charset="-120"/>
+                    <a:cs typeface="Arial" pitchFamily="34" charset="0"/>
+                  </a:rPr>
+                  <a:t>test </a:t>
+                </a:r>
+                <a:r>
+                  <a:rPr lang="zh-TW" altLang="en-US" sz="1600" b="1" dirty="0">
+                    <a:solidFill>
+                      <a:schemeClr val="bg1"/>
+                    </a:solidFill>
+                    <a:latin typeface="標楷體" panose="03000509000000000000" pitchFamily="65" charset="-120"/>
+                    <a:ea typeface="標楷體" panose="03000509000000000000" pitchFamily="65" charset="-120"/>
+                    <a:cs typeface="Arial" pitchFamily="34" charset="0"/>
+                  </a:rPr>
+                  <a:t>放</a:t>
+                </a:r>
+                <a:r>
+                  <a:rPr lang="en-US" altLang="zh-TW" sz="1600" b="1" dirty="0">
+                    <a:solidFill>
+                      <a:schemeClr val="bg1"/>
+                    </a:solidFill>
+                    <a:latin typeface="標楷體" panose="03000509000000000000" pitchFamily="65" charset="-120"/>
+                    <a:ea typeface="標楷體" panose="03000509000000000000" pitchFamily="65" charset="-120"/>
+                    <a:cs typeface="Arial" pitchFamily="34" charset="0"/>
+                  </a:rPr>
+                  <a:t>image2</a:t>
+                </a:r>
+                <a:r>
+                  <a:rPr lang="zh-TW" altLang="en-US" sz="1600" b="1" dirty="0">
+                    <a:solidFill>
+                      <a:schemeClr val="bg1"/>
+                    </a:solidFill>
+                    <a:latin typeface="標楷體" panose="03000509000000000000" pitchFamily="65" charset="-120"/>
+                    <a:ea typeface="標楷體" panose="03000509000000000000" pitchFamily="65" charset="-120"/>
+                    <a:cs typeface="Arial" pitchFamily="34" charset="0"/>
+                  </a:rPr>
+                  <a:t>的結果</a:t>
+                </a:r>
+                <a:endParaRPr lang="ko-KR" altLang="en-US" sz="1600" b="1" dirty="0">
+                  <a:solidFill>
+                    <a:schemeClr val="bg1"/>
+                  </a:solidFill>
+                  <a:latin typeface="標楷體" panose="03000509000000000000" pitchFamily="65" charset="-120"/>
+                  <a:cs typeface="Arial" pitchFamily="34" charset="0"/>
+                </a:endParaRPr>
+              </a:p>
+            </p:txBody>
+          </p:sp>
+          <p:sp>
+            <p:nvSpPr>
+              <p:cNvPr id="7" name="TextBox 6">
+                <a:extLst>
+                  <a:ext uri="{FF2B5EF4-FFF2-40B4-BE49-F238E27FC236}">
+                    <a16:creationId xmlns:a16="http://schemas.microsoft.com/office/drawing/2014/main" id="{E1382AA1-DBC9-4CDE-AD6E-9E768D29770F}"/>
+                  </a:ext>
+                </a:extLst>
+              </p:cNvPr>
+              <p:cNvSpPr txBox="1"/>
+              <p:nvPr/>
+            </p:nvSpPr>
+            <p:spPr>
+              <a:xfrm>
+                <a:off x="2167367" y="1375358"/>
+                <a:ext cx="3119026" cy="646331"/>
+              </a:xfrm>
+              <a:prstGeom prst="rect">
+                <a:avLst/>
+              </a:prstGeom>
+              <a:noFill/>
+            </p:spPr>
+            <p:txBody>
+              <a:bodyPr wrap="square" rtlCol="0">
+                <a:spAutoFit/>
+              </a:bodyPr>
+              <a:lstStyle/>
+              <a:p>
+                <a:r>
+                  <a:rPr lang="zh-TW" altLang="en-US" sz="1200" dirty="0">
+                    <a:solidFill>
+                      <a:schemeClr val="bg1"/>
+                    </a:solidFill>
+                    <a:latin typeface="標楷體" panose="03000509000000000000" pitchFamily="65" charset="-120"/>
+                    <a:ea typeface="標楷體" panose="03000509000000000000" pitchFamily="65" charset="-120"/>
+                    <a:cs typeface="Arial" pitchFamily="34" charset="0"/>
+                  </a:rPr>
+                  <a:t>此結果還算</a:t>
+                </a:r>
+                <a:r>
+                  <a:rPr lang="zh-TW" altLang="en-US" sz="1200" dirty="0" smtClean="0">
+                    <a:solidFill>
+                      <a:schemeClr val="bg1"/>
+                    </a:solidFill>
+                    <a:latin typeface="標楷體" panose="03000509000000000000" pitchFamily="65" charset="-120"/>
+                    <a:ea typeface="標楷體" panose="03000509000000000000" pitchFamily="65" charset="-120"/>
+                    <a:cs typeface="Arial" pitchFamily="34" charset="0"/>
+                  </a:rPr>
+                  <a:t>滿意</a:t>
+                </a:r>
+                <a:endParaRPr lang="en-US" altLang="zh-TW" sz="1200" dirty="0" smtClean="0">
+                  <a:solidFill>
+                    <a:schemeClr val="bg1"/>
+                  </a:solidFill>
+                  <a:latin typeface="標楷體" panose="03000509000000000000" pitchFamily="65" charset="-120"/>
+                  <a:ea typeface="標楷體" panose="03000509000000000000" pitchFamily="65" charset="-120"/>
+                  <a:cs typeface="Arial" pitchFamily="34" charset="0"/>
+                </a:endParaRPr>
+              </a:p>
+              <a:p>
+                <a:r>
+                  <a:rPr lang="zh-TW" altLang="en-US" sz="1200" dirty="0" smtClean="0">
+                    <a:solidFill>
+                      <a:schemeClr val="bg1"/>
+                    </a:solidFill>
+                    <a:latin typeface="標楷體" panose="03000509000000000000" pitchFamily="65" charset="-120"/>
+                    <a:ea typeface="標楷體" panose="03000509000000000000" pitchFamily="65" charset="-120"/>
+                    <a:cs typeface="Arial" pitchFamily="34" charset="0"/>
+                  </a:rPr>
+                  <a:t>透過</a:t>
+                </a:r>
+                <a:r>
+                  <a:rPr lang="en-US" altLang="zh-TW" sz="1200" dirty="0">
+                    <a:solidFill>
+                      <a:schemeClr val="bg1"/>
+                    </a:solidFill>
+                    <a:latin typeface="標楷體" panose="03000509000000000000" pitchFamily="65" charset="-120"/>
+                    <a:ea typeface="標楷體" panose="03000509000000000000" pitchFamily="65" charset="-120"/>
+                    <a:cs typeface="Arial" pitchFamily="34" charset="0"/>
+                  </a:rPr>
+                  <a:t>filter size 17</a:t>
+                </a:r>
+                <a:r>
+                  <a:rPr lang="zh-TW" altLang="en-US" sz="1200" dirty="0">
+                    <a:solidFill>
+                      <a:schemeClr val="bg1"/>
+                    </a:solidFill>
+                    <a:latin typeface="標楷體" panose="03000509000000000000" pitchFamily="65" charset="-120"/>
+                    <a:ea typeface="標楷體" panose="03000509000000000000" pitchFamily="65" charset="-120"/>
+                    <a:cs typeface="Arial" pitchFamily="34" charset="0"/>
+                  </a:rPr>
+                  <a:t>將用來偵測洞的</a:t>
+                </a:r>
+                <a:r>
+                  <a:rPr lang="en-US" altLang="zh-TW" sz="1200" dirty="0">
+                    <a:solidFill>
+                      <a:schemeClr val="bg1"/>
+                    </a:solidFill>
+                    <a:latin typeface="標楷體" panose="03000509000000000000" pitchFamily="65" charset="-120"/>
+                    <a:ea typeface="標楷體" panose="03000509000000000000" pitchFamily="65" charset="-120"/>
+                    <a:cs typeface="Arial" pitchFamily="34" charset="0"/>
+                  </a:rPr>
+                  <a:t>filter </a:t>
+                </a:r>
+                <a:r>
+                  <a:rPr lang="zh-TW" altLang="en-US" sz="1200" dirty="0">
+                    <a:solidFill>
+                      <a:schemeClr val="bg1"/>
+                    </a:solidFill>
+                    <a:latin typeface="標楷體" panose="03000509000000000000" pitchFamily="65" charset="-120"/>
+                    <a:ea typeface="標楷體" panose="03000509000000000000" pitchFamily="65" charset="-120"/>
+                    <a:cs typeface="Arial" pitchFamily="34" charset="0"/>
+                  </a:rPr>
+                  <a:t>無法填補的中央區域給填補</a:t>
+                </a:r>
+                <a:r>
+                  <a:rPr lang="zh-TW" altLang="en-US" sz="1200" dirty="0" smtClean="0">
+                    <a:solidFill>
+                      <a:schemeClr val="bg1"/>
+                    </a:solidFill>
+                    <a:latin typeface="標楷體" panose="03000509000000000000" pitchFamily="65" charset="-120"/>
+                    <a:ea typeface="標楷體" panose="03000509000000000000" pitchFamily="65" charset="-120"/>
+                    <a:cs typeface="Arial" pitchFamily="34" charset="0"/>
+                  </a:rPr>
+                  <a:t>起來。</a:t>
+                </a:r>
+                <a:endParaRPr lang="ko-KR" altLang="en-US" sz="1200" dirty="0">
+                  <a:solidFill>
+                    <a:schemeClr val="bg1"/>
+                  </a:solidFill>
+                  <a:latin typeface="標楷體" panose="03000509000000000000" pitchFamily="65" charset="-120"/>
+                  <a:cs typeface="Arial" pitchFamily="34" charset="0"/>
+                </a:endParaRPr>
+              </a:p>
+            </p:txBody>
+          </p:sp>
+        </p:grpSp>
+        <p:sp>
+          <p:nvSpPr>
+            <p:cNvPr id="9" name="TextBox 8">
+              <a:extLst>
+                <a:ext uri="{FF2B5EF4-FFF2-40B4-BE49-F238E27FC236}">
+                  <a16:creationId xmlns:a16="http://schemas.microsoft.com/office/drawing/2014/main" id="{E2D5861F-75DE-456E-9B01-5A531A1EF4A6}"/>
+                </a:ext>
+              </a:extLst>
+            </p:cNvPr>
+            <p:cNvSpPr txBox="1"/>
+            <p:nvPr/>
+          </p:nvSpPr>
+          <p:spPr>
+            <a:xfrm>
+              <a:off x="610359" y="1897440"/>
+              <a:ext cx="1642816" cy="1569660"/>
+            </a:xfrm>
+            <a:prstGeom prst="rect">
+              <a:avLst/>
+            </a:prstGeom>
+            <a:noFill/>
+          </p:spPr>
+          <p:txBody>
+            <a:bodyPr wrap="square" lIns="108000" rIns="108000" rtlCol="0">
+              <a:spAutoFit/>
+            </a:bodyPr>
+            <a:lstStyle/>
+            <a:p>
+              <a:pPr algn="r"/>
+              <a:r>
+                <a:rPr lang="en-US" altLang="ko-KR" sz="9600" b="1" dirty="0">
+                  <a:solidFill>
+                    <a:schemeClr val="bg1"/>
+                  </a:solidFill>
+                  <a:cs typeface="Arial" pitchFamily="34" charset="0"/>
+                </a:rPr>
+                <a:t>01</a:t>
+              </a:r>
+              <a:endParaRPr lang="ko-KR" altLang="en-US" sz="9600" b="1" dirty="0">
+                <a:solidFill>
+                  <a:schemeClr val="bg1"/>
+                </a:solidFill>
+                <a:cs typeface="Arial" pitchFamily="34" charset="0"/>
+              </a:endParaRPr>
+            </a:p>
+          </p:txBody>
+        </p:sp>
+      </p:grpSp>
+      <p:grpSp>
+        <p:nvGrpSpPr>
+          <p:cNvPr id="11" name="그룹 10">
+            <a:extLst>
+              <a:ext uri="{FF2B5EF4-FFF2-40B4-BE49-F238E27FC236}">
+                <a16:creationId xmlns:a16="http://schemas.microsoft.com/office/drawing/2014/main" id="{9AA7F620-C8DC-4F18-A05C-EDF803FE0FE8}"/>
+              </a:ext>
+            </a:extLst>
+          </p:cNvPr>
+          <p:cNvGrpSpPr/>
+          <p:nvPr/>
+        </p:nvGrpSpPr>
+        <p:grpSpPr>
+          <a:xfrm>
+            <a:off x="610359" y="3983143"/>
+            <a:ext cx="5128379" cy="1569660"/>
+            <a:chOff x="610359" y="1897440"/>
+            <a:chExt cx="5128379" cy="1569660"/>
+          </a:xfrm>
+        </p:grpSpPr>
+        <p:grpSp>
+          <p:nvGrpSpPr>
+            <p:cNvPr id="12" name="Group 6">
+              <a:extLst>
+                <a:ext uri="{FF2B5EF4-FFF2-40B4-BE49-F238E27FC236}">
+                  <a16:creationId xmlns:a16="http://schemas.microsoft.com/office/drawing/2014/main" id="{4CEDAC6E-741A-4A54-AC9A-D18566898FE9}"/>
+                </a:ext>
+              </a:extLst>
+            </p:cNvPr>
+            <p:cNvGrpSpPr/>
+            <p:nvPr/>
+          </p:nvGrpSpPr>
+          <p:grpSpPr>
+            <a:xfrm>
+              <a:off x="2249993" y="2000241"/>
+              <a:ext cx="3488745" cy="1282193"/>
+              <a:chOff x="1797648" y="951079"/>
+              <a:chExt cx="3488745" cy="1282193"/>
+            </a:xfrm>
+          </p:grpSpPr>
+          <p:sp>
+            <p:nvSpPr>
+              <p:cNvPr id="14" name="TextBox 13">
+                <a:extLst>
+                  <a:ext uri="{FF2B5EF4-FFF2-40B4-BE49-F238E27FC236}">
+                    <a16:creationId xmlns:a16="http://schemas.microsoft.com/office/drawing/2014/main" id="{38168D67-7933-4A99-95AD-BEBD4F0423F4}"/>
+                  </a:ext>
+                </a:extLst>
+              </p:cNvPr>
+              <p:cNvSpPr txBox="1"/>
+              <p:nvPr/>
+            </p:nvSpPr>
+            <p:spPr>
+              <a:xfrm>
+                <a:off x="1797648" y="951079"/>
+                <a:ext cx="3488745" cy="338554"/>
+              </a:xfrm>
+              <a:prstGeom prst="rect">
+                <a:avLst/>
+              </a:prstGeom>
+              <a:noFill/>
+            </p:spPr>
+            <p:txBody>
+              <a:bodyPr wrap="square" lIns="108000" rIns="108000" rtlCol="0">
+                <a:spAutoFit/>
+              </a:bodyPr>
+              <a:lstStyle/>
+              <a:p>
+                <a:r>
+                  <a:rPr lang="en-US" altLang="zh-TW" sz="1600" b="1" dirty="0">
+                    <a:solidFill>
+                      <a:schemeClr val="bg1"/>
+                    </a:solidFill>
+                    <a:latin typeface="標楷體" panose="03000509000000000000" pitchFamily="65" charset="-120"/>
+                    <a:ea typeface="標楷體" panose="03000509000000000000" pitchFamily="65" charset="-120"/>
+                    <a:cs typeface="Arial" pitchFamily="34" charset="0"/>
+                  </a:rPr>
+                  <a:t>test1 </a:t>
+                </a:r>
+                <a:r>
+                  <a:rPr lang="zh-TW" altLang="en-US" sz="1600" b="1" dirty="0">
+                    <a:solidFill>
+                      <a:schemeClr val="bg1"/>
+                    </a:solidFill>
+                    <a:latin typeface="標楷體" panose="03000509000000000000" pitchFamily="65" charset="-120"/>
+                    <a:ea typeface="標楷體" panose="03000509000000000000" pitchFamily="65" charset="-120"/>
+                    <a:cs typeface="Arial" pitchFamily="34" charset="0"/>
+                  </a:rPr>
+                  <a:t>放</a:t>
+                </a:r>
+                <a:r>
+                  <a:rPr lang="en-US" altLang="zh-TW" sz="1600" b="1" dirty="0">
+                    <a:solidFill>
+                      <a:schemeClr val="bg1"/>
+                    </a:solidFill>
+                    <a:latin typeface="標楷體" panose="03000509000000000000" pitchFamily="65" charset="-120"/>
+                    <a:ea typeface="標楷體" panose="03000509000000000000" pitchFamily="65" charset="-120"/>
+                    <a:cs typeface="Arial" pitchFamily="34" charset="0"/>
+                  </a:rPr>
+                  <a:t>image1 </a:t>
+                </a:r>
+                <a:r>
+                  <a:rPr lang="zh-TW" altLang="en-US" sz="1600" b="1" dirty="0">
+                    <a:solidFill>
+                      <a:schemeClr val="bg1"/>
+                    </a:solidFill>
+                    <a:latin typeface="標楷體" panose="03000509000000000000" pitchFamily="65" charset="-120"/>
+                    <a:ea typeface="標楷體" panose="03000509000000000000" pitchFamily="65" charset="-120"/>
+                    <a:cs typeface="Arial" pitchFamily="34" charset="0"/>
+                  </a:rPr>
+                  <a:t>的結果</a:t>
+                </a:r>
+                <a:endParaRPr lang="ko-KR" altLang="en-US" sz="1600" b="1" dirty="0">
+                  <a:solidFill>
+                    <a:schemeClr val="bg1"/>
+                  </a:solidFill>
+                  <a:latin typeface="標楷體" panose="03000509000000000000" pitchFamily="65" charset="-120"/>
+                  <a:cs typeface="Arial" pitchFamily="34" charset="0"/>
+                </a:endParaRPr>
+              </a:p>
+            </p:txBody>
+          </p:sp>
+          <p:sp>
+            <p:nvSpPr>
+              <p:cNvPr id="15" name="TextBox 14">
+                <a:extLst>
+                  <a:ext uri="{FF2B5EF4-FFF2-40B4-BE49-F238E27FC236}">
+                    <a16:creationId xmlns:a16="http://schemas.microsoft.com/office/drawing/2014/main" id="{28F871B9-8F04-4BD3-B06B-6606F69828D9}"/>
+                  </a:ext>
+                </a:extLst>
+              </p:cNvPr>
+              <p:cNvSpPr txBox="1"/>
+              <p:nvPr/>
+            </p:nvSpPr>
+            <p:spPr>
+              <a:xfrm>
+                <a:off x="2167367" y="1402275"/>
+                <a:ext cx="3119026" cy="830997"/>
+              </a:xfrm>
+              <a:prstGeom prst="rect">
+                <a:avLst/>
+              </a:prstGeom>
+              <a:noFill/>
+            </p:spPr>
+            <p:txBody>
+              <a:bodyPr wrap="square" rtlCol="0">
+                <a:spAutoFit/>
+              </a:bodyPr>
+              <a:lstStyle/>
+              <a:p>
+                <a:r>
+                  <a:rPr lang="zh-TW" altLang="en-US" sz="1200" dirty="0">
+                    <a:solidFill>
+                      <a:schemeClr val="bg1"/>
+                    </a:solidFill>
+                    <a:latin typeface="標楷體" panose="03000509000000000000" pitchFamily="65" charset="-120"/>
+                    <a:ea typeface="標楷體" panose="03000509000000000000" pitchFamily="65" charset="-120"/>
+                    <a:cs typeface="Arial" pitchFamily="34" charset="0"/>
+                  </a:rPr>
+                  <a:t>此結果還算滿意</a:t>
+                </a:r>
+              </a:p>
+              <a:p>
+                <a:r>
+                  <a:rPr lang="zh-TW" altLang="en-US" sz="1200" dirty="0">
+                    <a:solidFill>
+                      <a:schemeClr val="bg1"/>
+                    </a:solidFill>
+                    <a:latin typeface="標楷體" panose="03000509000000000000" pitchFamily="65" charset="-120"/>
+                    <a:ea typeface="標楷體" panose="03000509000000000000" pitchFamily="65" charset="-120"/>
+                    <a:cs typeface="Arial" pitchFamily="34" charset="0"/>
+                  </a:rPr>
+                  <a:t>線條右側個人無法</a:t>
+                </a:r>
+                <a:r>
+                  <a:rPr lang="zh-TW" altLang="en-US" sz="1200" dirty="0" smtClean="0">
+                    <a:solidFill>
+                      <a:schemeClr val="bg1"/>
+                    </a:solidFill>
+                    <a:latin typeface="標楷體" panose="03000509000000000000" pitchFamily="65" charset="-120"/>
+                    <a:ea typeface="標楷體" panose="03000509000000000000" pitchFamily="65" charset="-120"/>
+                    <a:cs typeface="Arial" pitchFamily="34" charset="0"/>
+                  </a:rPr>
+                  <a:t>判斷算</a:t>
+                </a:r>
+                <a:r>
+                  <a:rPr lang="zh-TW" altLang="en-US" sz="1200" dirty="0">
+                    <a:solidFill>
+                      <a:schemeClr val="bg1"/>
+                    </a:solidFill>
+                    <a:latin typeface="標楷體" panose="03000509000000000000" pitchFamily="65" charset="-120"/>
+                    <a:ea typeface="標楷體" panose="03000509000000000000" pitchFamily="65" charset="-120"/>
+                    <a:cs typeface="Arial" pitchFamily="34" charset="0"/>
+                  </a:rPr>
+                  <a:t>不算瑕疵，因為看起來不像，且在便是這張影像時也無法將該處辨識為瑕疵，故將此該處視為無</a:t>
+                </a:r>
+                <a:r>
+                  <a:rPr lang="zh-TW" altLang="en-US" sz="1200" dirty="0" smtClean="0">
+                    <a:solidFill>
+                      <a:schemeClr val="bg1"/>
+                    </a:solidFill>
+                    <a:latin typeface="標楷體" panose="03000509000000000000" pitchFamily="65" charset="-120"/>
+                    <a:ea typeface="標楷體" panose="03000509000000000000" pitchFamily="65" charset="-120"/>
+                    <a:cs typeface="Arial" pitchFamily="34" charset="0"/>
+                  </a:rPr>
+                  <a:t>瑕疵。</a:t>
+                </a:r>
+                <a:endParaRPr lang="ko-KR" altLang="en-US" sz="1200" dirty="0">
+                  <a:solidFill>
+                    <a:schemeClr val="bg1"/>
+                  </a:solidFill>
+                  <a:latin typeface="標楷體" panose="03000509000000000000" pitchFamily="65" charset="-120"/>
+                  <a:cs typeface="Arial" pitchFamily="34" charset="0"/>
+                </a:endParaRPr>
+              </a:p>
+            </p:txBody>
+          </p:sp>
+        </p:grpSp>
+        <p:sp>
+          <p:nvSpPr>
+            <p:cNvPr id="13" name="TextBox 12">
+              <a:extLst>
+                <a:ext uri="{FF2B5EF4-FFF2-40B4-BE49-F238E27FC236}">
+                  <a16:creationId xmlns:a16="http://schemas.microsoft.com/office/drawing/2014/main" id="{1ED4B613-DC23-47F9-848C-CA62A3DFB909}"/>
+                </a:ext>
+              </a:extLst>
+            </p:cNvPr>
+            <p:cNvSpPr txBox="1"/>
+            <p:nvPr/>
+          </p:nvSpPr>
+          <p:spPr>
+            <a:xfrm>
+              <a:off x="610359" y="1897440"/>
+              <a:ext cx="1642816" cy="1569660"/>
+            </a:xfrm>
+            <a:prstGeom prst="rect">
+              <a:avLst/>
+            </a:prstGeom>
+            <a:noFill/>
+          </p:spPr>
+          <p:txBody>
+            <a:bodyPr wrap="square" lIns="108000" rIns="108000" rtlCol="0">
+              <a:spAutoFit/>
+            </a:bodyPr>
+            <a:lstStyle/>
+            <a:p>
+              <a:pPr algn="r"/>
+              <a:r>
+                <a:rPr lang="en-US" altLang="ko-KR" sz="9600" b="1" dirty="0">
+                  <a:solidFill>
+                    <a:schemeClr val="bg1"/>
+                  </a:solidFill>
+                  <a:cs typeface="Arial" pitchFamily="34" charset="0"/>
+                </a:rPr>
+                <a:t>02</a:t>
+              </a:r>
+              <a:endParaRPr lang="ko-KR" altLang="en-US" sz="9600" b="1" dirty="0">
+                <a:solidFill>
+                  <a:schemeClr val="bg1"/>
+                </a:solidFill>
+                <a:cs typeface="Arial" pitchFamily="34" charset="0"/>
+              </a:endParaRPr>
+            </a:p>
+          </p:txBody>
+        </p:sp>
+      </p:grpSp>
+      <p:grpSp>
+        <p:nvGrpSpPr>
+          <p:cNvPr id="26" name="그룹 25">
+            <a:extLst>
+              <a:ext uri="{FF2B5EF4-FFF2-40B4-BE49-F238E27FC236}">
+                <a16:creationId xmlns:a16="http://schemas.microsoft.com/office/drawing/2014/main" id="{D07B5ECE-B5FC-4958-8594-0CA40756AF69}"/>
+              </a:ext>
+            </a:extLst>
+          </p:cNvPr>
+          <p:cNvGrpSpPr/>
+          <p:nvPr/>
+        </p:nvGrpSpPr>
+        <p:grpSpPr>
+          <a:xfrm>
+            <a:off x="6453264" y="1653600"/>
+            <a:ext cx="5128379" cy="1912075"/>
+            <a:chOff x="610359" y="1897440"/>
+            <a:chExt cx="5128379" cy="1912075"/>
+          </a:xfrm>
+        </p:grpSpPr>
+        <p:grpSp>
+          <p:nvGrpSpPr>
+            <p:cNvPr id="27" name="Group 6">
+              <a:extLst>
+                <a:ext uri="{FF2B5EF4-FFF2-40B4-BE49-F238E27FC236}">
+                  <a16:creationId xmlns:a16="http://schemas.microsoft.com/office/drawing/2014/main" id="{38E43BDB-943B-455A-A231-35351D02B317}"/>
+                </a:ext>
+              </a:extLst>
+            </p:cNvPr>
+            <p:cNvGrpSpPr/>
+            <p:nvPr/>
+          </p:nvGrpSpPr>
+          <p:grpSpPr>
+            <a:xfrm>
+              <a:off x="2249993" y="2000241"/>
+              <a:ext cx="3488745" cy="1809274"/>
+              <a:chOff x="1797648" y="951079"/>
+              <a:chExt cx="3488745" cy="1809274"/>
+            </a:xfrm>
+          </p:grpSpPr>
+          <p:sp>
+            <p:nvSpPr>
+              <p:cNvPr id="29" name="TextBox 28">
+                <a:extLst>
+                  <a:ext uri="{FF2B5EF4-FFF2-40B4-BE49-F238E27FC236}">
+                    <a16:creationId xmlns:a16="http://schemas.microsoft.com/office/drawing/2014/main" id="{D53E9675-B4F5-4442-9619-C89E059F72BB}"/>
+                  </a:ext>
+                </a:extLst>
+              </p:cNvPr>
+              <p:cNvSpPr txBox="1"/>
+              <p:nvPr/>
+            </p:nvSpPr>
+            <p:spPr>
+              <a:xfrm>
+                <a:off x="1797648" y="951079"/>
+                <a:ext cx="3488745" cy="338554"/>
+              </a:xfrm>
+              <a:prstGeom prst="rect">
+                <a:avLst/>
+              </a:prstGeom>
+              <a:noFill/>
+            </p:spPr>
+            <p:txBody>
+              <a:bodyPr wrap="square" lIns="108000" rIns="108000" rtlCol="0">
+                <a:spAutoFit/>
+              </a:bodyPr>
+              <a:lstStyle/>
+              <a:p>
+                <a:r>
+                  <a:rPr lang="en-US" altLang="zh-TW" sz="1600" b="1" dirty="0">
+                    <a:solidFill>
+                      <a:schemeClr val="bg1"/>
+                    </a:solidFill>
+                    <a:latin typeface="標楷體" panose="03000509000000000000" pitchFamily="65" charset="-120"/>
+                    <a:ea typeface="標楷體" panose="03000509000000000000" pitchFamily="65" charset="-120"/>
+                    <a:cs typeface="Arial" pitchFamily="34" charset="0"/>
+                  </a:rPr>
+                  <a:t>test2 </a:t>
+                </a:r>
+                <a:r>
+                  <a:rPr lang="zh-TW" altLang="en-US" sz="1600" b="1" dirty="0">
+                    <a:solidFill>
+                      <a:schemeClr val="bg1"/>
+                    </a:solidFill>
+                    <a:latin typeface="標楷體" panose="03000509000000000000" pitchFamily="65" charset="-120"/>
+                    <a:ea typeface="標楷體" panose="03000509000000000000" pitchFamily="65" charset="-120"/>
+                    <a:cs typeface="Arial" pitchFamily="34" charset="0"/>
+                  </a:rPr>
+                  <a:t>放</a:t>
+                </a:r>
+                <a:r>
+                  <a:rPr lang="en-US" altLang="zh-TW" sz="1600" b="1" dirty="0">
+                    <a:solidFill>
+                      <a:schemeClr val="bg1"/>
+                    </a:solidFill>
+                    <a:latin typeface="標楷體" panose="03000509000000000000" pitchFamily="65" charset="-120"/>
+                    <a:ea typeface="標楷體" panose="03000509000000000000" pitchFamily="65" charset="-120"/>
+                    <a:cs typeface="Arial" pitchFamily="34" charset="0"/>
+                  </a:rPr>
+                  <a:t>img154 </a:t>
+                </a:r>
+                <a:r>
+                  <a:rPr lang="zh-TW" altLang="en-US" sz="1600" b="1" dirty="0">
+                    <a:solidFill>
+                      <a:schemeClr val="bg1"/>
+                    </a:solidFill>
+                    <a:latin typeface="標楷體" panose="03000509000000000000" pitchFamily="65" charset="-120"/>
+                    <a:ea typeface="標楷體" panose="03000509000000000000" pitchFamily="65" charset="-120"/>
+                    <a:cs typeface="Arial" pitchFamily="34" charset="0"/>
+                  </a:rPr>
+                  <a:t>的結果</a:t>
+                </a:r>
+                <a:endParaRPr lang="ko-KR" altLang="en-US" sz="1600" b="1" dirty="0">
+                  <a:solidFill>
+                    <a:schemeClr val="bg1"/>
+                  </a:solidFill>
+                  <a:latin typeface="標楷體" panose="03000509000000000000" pitchFamily="65" charset="-120"/>
+                  <a:cs typeface="Arial" pitchFamily="34" charset="0"/>
+                </a:endParaRPr>
+              </a:p>
+            </p:txBody>
+          </p:sp>
+          <p:sp>
+            <p:nvSpPr>
+              <p:cNvPr id="30" name="TextBox 29">
+                <a:extLst>
+                  <a:ext uri="{FF2B5EF4-FFF2-40B4-BE49-F238E27FC236}">
+                    <a16:creationId xmlns:a16="http://schemas.microsoft.com/office/drawing/2014/main" id="{4CEF90A1-7890-4058-9D90-B5FEB178ED2B}"/>
+                  </a:ext>
+                </a:extLst>
+              </p:cNvPr>
+              <p:cNvSpPr txBox="1"/>
+              <p:nvPr/>
+            </p:nvSpPr>
+            <p:spPr>
+              <a:xfrm>
+                <a:off x="2167367" y="1375358"/>
+                <a:ext cx="3119026" cy="1384995"/>
+              </a:xfrm>
+              <a:prstGeom prst="rect">
+                <a:avLst/>
+              </a:prstGeom>
+              <a:noFill/>
+            </p:spPr>
+            <p:txBody>
+              <a:bodyPr wrap="square" rtlCol="0">
+                <a:spAutoFit/>
+              </a:bodyPr>
+              <a:lstStyle/>
+              <a:p>
+                <a:r>
+                  <a:rPr lang="zh-TW" altLang="en-US" sz="1200" dirty="0">
+                    <a:solidFill>
+                      <a:schemeClr val="bg1"/>
+                    </a:solidFill>
+                    <a:latin typeface="標楷體" panose="03000509000000000000" pitchFamily="65" charset="-120"/>
+                    <a:ea typeface="標楷體" panose="03000509000000000000" pitchFamily="65" charset="-120"/>
+                    <a:cs typeface="Arial" pitchFamily="34" charset="0"/>
+                  </a:rPr>
+                  <a:t>此結果有些微缺陷</a:t>
+                </a:r>
+              </a:p>
+              <a:p>
+                <a:r>
+                  <a:rPr lang="zh-TW" altLang="en-US" sz="1200" dirty="0">
+                    <a:solidFill>
+                      <a:schemeClr val="bg1"/>
+                    </a:solidFill>
+                    <a:latin typeface="標楷體" panose="03000509000000000000" pitchFamily="65" charset="-120"/>
+                    <a:ea typeface="標楷體" panose="03000509000000000000" pitchFamily="65" charset="-120"/>
+                    <a:cs typeface="Arial" pitchFamily="34" charset="0"/>
+                  </a:rPr>
+                  <a:t>因為不同的</a:t>
+                </a:r>
+                <a:r>
+                  <a:rPr lang="en-US" altLang="zh-TW" sz="1200" dirty="0">
+                    <a:solidFill>
+                      <a:schemeClr val="bg1"/>
+                    </a:solidFill>
+                    <a:latin typeface="標楷體" panose="03000509000000000000" pitchFamily="65" charset="-120"/>
+                    <a:ea typeface="標楷體" panose="03000509000000000000" pitchFamily="65" charset="-120"/>
+                    <a:cs typeface="Arial" pitchFamily="34" charset="0"/>
+                  </a:rPr>
+                  <a:t>filter </a:t>
+                </a:r>
+                <a:r>
+                  <a:rPr lang="zh-TW" altLang="en-US" sz="1200" dirty="0">
+                    <a:solidFill>
+                      <a:schemeClr val="bg1"/>
+                    </a:solidFill>
+                    <a:latin typeface="標楷體" panose="03000509000000000000" pitchFamily="65" charset="-120"/>
+                    <a:ea typeface="標楷體" panose="03000509000000000000" pitchFamily="65" charset="-120"/>
+                    <a:cs typeface="Arial" pitchFamily="34" charset="0"/>
+                  </a:rPr>
+                  <a:t>會互相影響</a:t>
+                </a:r>
+                <a:r>
+                  <a:rPr lang="zh-TW" altLang="en-US" sz="1200" dirty="0" smtClean="0">
+                    <a:solidFill>
+                      <a:schemeClr val="bg1"/>
+                    </a:solidFill>
+                    <a:latin typeface="標楷體" panose="03000509000000000000" pitchFamily="65" charset="-120"/>
+                    <a:ea typeface="標楷體" panose="03000509000000000000" pitchFamily="65" charset="-120"/>
+                    <a:cs typeface="Arial" pitchFamily="34" charset="0"/>
+                  </a:rPr>
+                  <a:t>，</a:t>
+                </a:r>
+                <a:endParaRPr lang="en-US" altLang="zh-TW" sz="1200" dirty="0" smtClean="0">
+                  <a:solidFill>
+                    <a:schemeClr val="bg1"/>
+                  </a:solidFill>
+                  <a:latin typeface="標楷體" panose="03000509000000000000" pitchFamily="65" charset="-120"/>
+                  <a:ea typeface="標楷體" panose="03000509000000000000" pitchFamily="65" charset="-120"/>
+                  <a:cs typeface="Arial" pitchFamily="34" charset="0"/>
+                </a:endParaRPr>
+              </a:p>
+              <a:p>
+                <a:r>
+                  <a:rPr lang="zh-TW" altLang="en-US" sz="1200" dirty="0" smtClean="0">
+                    <a:solidFill>
+                      <a:schemeClr val="bg1"/>
+                    </a:solidFill>
+                    <a:latin typeface="標楷體" panose="03000509000000000000" pitchFamily="65" charset="-120"/>
+                    <a:ea typeface="標楷體" panose="03000509000000000000" pitchFamily="65" charset="-120"/>
+                    <a:cs typeface="Arial" pitchFamily="34" charset="0"/>
+                  </a:rPr>
+                  <a:t>例如</a:t>
+                </a:r>
+                <a:r>
+                  <a:rPr lang="en-US" altLang="zh-TW" sz="1200" dirty="0">
+                    <a:solidFill>
+                      <a:schemeClr val="bg1"/>
+                    </a:solidFill>
+                    <a:latin typeface="標楷體" panose="03000509000000000000" pitchFamily="65" charset="-120"/>
+                    <a:ea typeface="標楷體" panose="03000509000000000000" pitchFamily="65" charset="-120"/>
+                    <a:cs typeface="Arial" pitchFamily="34" charset="0"/>
+                  </a:rPr>
+                  <a:t>filter size </a:t>
+                </a:r>
+                <a:r>
+                  <a:rPr lang="en-US" altLang="zh-TW" sz="1200" dirty="0" smtClean="0">
+                    <a:solidFill>
+                      <a:schemeClr val="bg1"/>
+                    </a:solidFill>
+                    <a:latin typeface="標楷體" panose="03000509000000000000" pitchFamily="65" charset="-120"/>
+                    <a:ea typeface="標楷體" panose="03000509000000000000" pitchFamily="65" charset="-120"/>
+                    <a:cs typeface="Arial" pitchFamily="34" charset="0"/>
+                  </a:rPr>
+                  <a:t>17</a:t>
+                </a:r>
+                <a:r>
+                  <a:rPr lang="zh-TW" altLang="en-US" sz="1200" dirty="0" smtClean="0">
+                    <a:solidFill>
+                      <a:schemeClr val="bg1"/>
+                    </a:solidFill>
+                    <a:latin typeface="標楷體" panose="03000509000000000000" pitchFamily="65" charset="-120"/>
+                    <a:ea typeface="標楷體" panose="03000509000000000000" pitchFamily="65" charset="-120"/>
+                    <a:cs typeface="Arial" pitchFamily="34" charset="0"/>
+                  </a:rPr>
+                  <a:t>的</a:t>
+                </a:r>
+                <a:r>
+                  <a:rPr lang="zh-TW" altLang="en-US" sz="1200" dirty="0">
+                    <a:solidFill>
+                      <a:schemeClr val="bg1"/>
+                    </a:solidFill>
+                    <a:latin typeface="標楷體" panose="03000509000000000000" pitchFamily="65" charset="-120"/>
+                    <a:ea typeface="標楷體" panose="03000509000000000000" pitchFamily="65" charset="-120"/>
+                    <a:cs typeface="Arial" pitchFamily="34" charset="0"/>
+                  </a:rPr>
+                  <a:t>會將</a:t>
+                </a:r>
+                <a:r>
+                  <a:rPr lang="en-US" altLang="zh-TW" sz="1200" dirty="0" smtClean="0">
+                    <a:solidFill>
+                      <a:schemeClr val="bg1"/>
+                    </a:solidFill>
+                    <a:latin typeface="標楷體" panose="03000509000000000000" pitchFamily="65" charset="-120"/>
+                    <a:ea typeface="標楷體" panose="03000509000000000000" pitchFamily="65" charset="-120"/>
+                    <a:cs typeface="Arial" pitchFamily="34" charset="0"/>
+                  </a:rPr>
+                  <a:t>img154</a:t>
+                </a:r>
+                <a:r>
+                  <a:rPr lang="zh-TW" altLang="en-US" sz="1200" dirty="0" smtClean="0">
+                    <a:solidFill>
+                      <a:schemeClr val="bg1"/>
+                    </a:solidFill>
+                    <a:latin typeface="標楷體" panose="03000509000000000000" pitchFamily="65" charset="-120"/>
+                    <a:ea typeface="標楷體" panose="03000509000000000000" pitchFamily="65" charset="-120"/>
+                    <a:cs typeface="Arial" pitchFamily="34" charset="0"/>
+                  </a:rPr>
+                  <a:t>非</a:t>
+                </a:r>
+                <a:r>
+                  <a:rPr lang="zh-TW" altLang="en-US" sz="1200" dirty="0">
+                    <a:solidFill>
+                      <a:schemeClr val="bg1"/>
+                    </a:solidFill>
+                    <a:latin typeface="標楷體" panose="03000509000000000000" pitchFamily="65" charset="-120"/>
+                    <a:ea typeface="標楷體" panose="03000509000000000000" pitchFamily="65" charset="-120"/>
+                    <a:cs typeface="Arial" pitchFamily="34" charset="0"/>
+                  </a:rPr>
+                  <a:t>瑕疵部分給偵測錯誤，因而新增了限制以防止此事件之</a:t>
+                </a:r>
+                <a:r>
+                  <a:rPr lang="zh-TW" altLang="en-US" sz="1200" dirty="0" smtClean="0">
+                    <a:solidFill>
+                      <a:schemeClr val="bg1"/>
+                    </a:solidFill>
+                    <a:latin typeface="標楷體" panose="03000509000000000000" pitchFamily="65" charset="-120"/>
+                    <a:ea typeface="標楷體" panose="03000509000000000000" pitchFamily="65" charset="-120"/>
+                    <a:cs typeface="Arial" pitchFamily="34" charset="0"/>
+                  </a:rPr>
+                  <a:t>發生。</a:t>
+                </a:r>
+                <a:endParaRPr lang="zh-TW" altLang="en-US" sz="1200" dirty="0">
+                  <a:solidFill>
+                    <a:schemeClr val="bg1"/>
+                  </a:solidFill>
+                  <a:latin typeface="標楷體" panose="03000509000000000000" pitchFamily="65" charset="-120"/>
+                  <a:ea typeface="標楷體" panose="03000509000000000000" pitchFamily="65" charset="-120"/>
+                  <a:cs typeface="Arial" pitchFamily="34" charset="0"/>
+                </a:endParaRPr>
+              </a:p>
+              <a:p>
+                <a:r>
+                  <a:rPr lang="zh-TW" altLang="en-US" sz="1200" dirty="0">
+                    <a:solidFill>
+                      <a:schemeClr val="bg1"/>
+                    </a:solidFill>
+                    <a:latin typeface="標楷體" panose="03000509000000000000" pitchFamily="65" charset="-120"/>
+                    <a:ea typeface="標楷體" panose="03000509000000000000" pitchFamily="65" charset="-120"/>
+                    <a:cs typeface="Arial" pitchFamily="34" charset="0"/>
+                  </a:rPr>
+                  <a:t>其代價為</a:t>
+                </a:r>
+                <a:r>
+                  <a:rPr lang="en-US" altLang="zh-TW" sz="1200" dirty="0">
+                    <a:solidFill>
+                      <a:schemeClr val="bg1"/>
+                    </a:solidFill>
+                    <a:latin typeface="標楷體" panose="03000509000000000000" pitchFamily="65" charset="-120"/>
+                    <a:ea typeface="標楷體" panose="03000509000000000000" pitchFamily="65" charset="-120"/>
+                    <a:cs typeface="Arial" pitchFamily="34" charset="0"/>
+                  </a:rPr>
+                  <a:t>img154 </a:t>
+                </a:r>
+                <a:r>
+                  <a:rPr lang="zh-TW" altLang="en-US" sz="1200" dirty="0">
+                    <a:solidFill>
+                      <a:schemeClr val="bg1"/>
+                    </a:solidFill>
+                    <a:latin typeface="標楷體" panose="03000509000000000000" pitchFamily="65" charset="-120"/>
+                    <a:ea typeface="標楷體" panose="03000509000000000000" pitchFamily="65" charset="-120"/>
+                    <a:cs typeface="Arial" pitchFamily="34" charset="0"/>
+                  </a:rPr>
+                  <a:t>偵測到的洞其正中間無法被</a:t>
+                </a:r>
+                <a:r>
+                  <a:rPr lang="zh-TW" altLang="en-US" sz="1200" dirty="0" smtClean="0">
+                    <a:solidFill>
+                      <a:schemeClr val="bg1"/>
+                    </a:solidFill>
+                    <a:latin typeface="標楷體" panose="03000509000000000000" pitchFamily="65" charset="-120"/>
+                    <a:ea typeface="標楷體" panose="03000509000000000000" pitchFamily="65" charset="-120"/>
+                    <a:cs typeface="Arial" pitchFamily="34" charset="0"/>
+                  </a:rPr>
+                  <a:t>填補。</a:t>
+                </a:r>
+                <a:endParaRPr lang="ko-KR" altLang="en-US" sz="1200" dirty="0">
+                  <a:solidFill>
+                    <a:schemeClr val="bg1"/>
+                  </a:solidFill>
+                  <a:latin typeface="標楷體" panose="03000509000000000000" pitchFamily="65" charset="-120"/>
+                  <a:cs typeface="Arial" pitchFamily="34" charset="0"/>
+                </a:endParaRPr>
+              </a:p>
+            </p:txBody>
+          </p:sp>
+        </p:grpSp>
+        <p:sp>
+          <p:nvSpPr>
+            <p:cNvPr id="28" name="TextBox 27">
+              <a:extLst>
+                <a:ext uri="{FF2B5EF4-FFF2-40B4-BE49-F238E27FC236}">
+                  <a16:creationId xmlns:a16="http://schemas.microsoft.com/office/drawing/2014/main" id="{F296881E-F221-44B9-B422-D96243D92252}"/>
+                </a:ext>
+              </a:extLst>
+            </p:cNvPr>
+            <p:cNvSpPr txBox="1"/>
+            <p:nvPr/>
+          </p:nvSpPr>
+          <p:spPr>
+            <a:xfrm>
+              <a:off x="610359" y="1897440"/>
+              <a:ext cx="1642816" cy="1569660"/>
+            </a:xfrm>
+            <a:prstGeom prst="rect">
+              <a:avLst/>
+            </a:prstGeom>
+            <a:noFill/>
+          </p:spPr>
+          <p:txBody>
+            <a:bodyPr wrap="square" lIns="108000" rIns="108000" rtlCol="0">
+              <a:spAutoFit/>
+            </a:bodyPr>
+            <a:lstStyle/>
+            <a:p>
+              <a:pPr algn="r"/>
+              <a:r>
+                <a:rPr lang="en-US" altLang="ko-KR" sz="9600" b="1" dirty="0">
+                  <a:solidFill>
+                    <a:schemeClr val="bg1"/>
+                  </a:solidFill>
+                  <a:cs typeface="Arial" pitchFamily="34" charset="0"/>
+                </a:rPr>
+                <a:t>03</a:t>
+              </a:r>
+              <a:endParaRPr lang="ko-KR" altLang="en-US" sz="9600" b="1" dirty="0">
+                <a:solidFill>
+                  <a:schemeClr val="bg1"/>
+                </a:solidFill>
+                <a:cs typeface="Arial" pitchFamily="34" charset="0"/>
+              </a:endParaRPr>
+            </a:p>
+          </p:txBody>
+        </p:sp>
+      </p:grpSp>
+      <p:grpSp>
+        <p:nvGrpSpPr>
+          <p:cNvPr id="33" name="그룹 32">
+            <a:extLst>
+              <a:ext uri="{FF2B5EF4-FFF2-40B4-BE49-F238E27FC236}">
+                <a16:creationId xmlns:a16="http://schemas.microsoft.com/office/drawing/2014/main" id="{79D88C19-2DD9-4A11-8F2F-80A125823658}"/>
+              </a:ext>
+            </a:extLst>
+          </p:cNvPr>
+          <p:cNvGrpSpPr/>
+          <p:nvPr/>
+        </p:nvGrpSpPr>
+        <p:grpSpPr>
+          <a:xfrm>
+            <a:off x="6453264" y="3983143"/>
+            <a:ext cx="5128379" cy="2281406"/>
+            <a:chOff x="610359" y="1897440"/>
+            <a:chExt cx="5128379" cy="2281406"/>
+          </a:xfrm>
+        </p:grpSpPr>
+        <p:grpSp>
+          <p:nvGrpSpPr>
+            <p:cNvPr id="34" name="Group 6">
+              <a:extLst>
+                <a:ext uri="{FF2B5EF4-FFF2-40B4-BE49-F238E27FC236}">
+                  <a16:creationId xmlns:a16="http://schemas.microsoft.com/office/drawing/2014/main" id="{4B28A2B1-293A-43C6-AEAE-B7871B6C64A5}"/>
+                </a:ext>
+              </a:extLst>
+            </p:cNvPr>
+            <p:cNvGrpSpPr/>
+            <p:nvPr/>
+          </p:nvGrpSpPr>
+          <p:grpSpPr>
+            <a:xfrm>
+              <a:off x="2249993" y="2000241"/>
+              <a:ext cx="3488745" cy="2178605"/>
+              <a:chOff x="1797648" y="951079"/>
+              <a:chExt cx="3488745" cy="2178605"/>
+            </a:xfrm>
+          </p:grpSpPr>
+          <p:sp>
+            <p:nvSpPr>
+              <p:cNvPr id="36" name="TextBox 35">
+                <a:extLst>
+                  <a:ext uri="{FF2B5EF4-FFF2-40B4-BE49-F238E27FC236}">
+                    <a16:creationId xmlns:a16="http://schemas.microsoft.com/office/drawing/2014/main" id="{9BE43F2E-245E-464C-8A8D-82AE5BB41993}"/>
+                  </a:ext>
+                </a:extLst>
+              </p:cNvPr>
+              <p:cNvSpPr txBox="1"/>
+              <p:nvPr/>
+            </p:nvSpPr>
+            <p:spPr>
+              <a:xfrm>
+                <a:off x="1797648" y="951079"/>
+                <a:ext cx="3488745" cy="338554"/>
+              </a:xfrm>
+              <a:prstGeom prst="rect">
+                <a:avLst/>
+              </a:prstGeom>
+              <a:noFill/>
+            </p:spPr>
+            <p:txBody>
+              <a:bodyPr wrap="square" lIns="108000" rIns="108000" rtlCol="0">
+                <a:spAutoFit/>
+              </a:bodyPr>
+              <a:lstStyle/>
+              <a:p>
+                <a:r>
+                  <a:rPr lang="en-US" altLang="zh-TW" sz="1600" b="1" dirty="0">
+                    <a:solidFill>
+                      <a:schemeClr val="bg1"/>
+                    </a:solidFill>
+                    <a:latin typeface="標楷體" panose="03000509000000000000" pitchFamily="65" charset="-120"/>
+                    <a:ea typeface="標楷體" panose="03000509000000000000" pitchFamily="65" charset="-120"/>
+                    <a:cs typeface="Arial" pitchFamily="34" charset="0"/>
+                  </a:rPr>
+                  <a:t>test3 </a:t>
+                </a:r>
+                <a:r>
+                  <a:rPr lang="zh-TW" altLang="en-US" sz="1600" b="1" dirty="0">
+                    <a:solidFill>
+                      <a:schemeClr val="bg1"/>
+                    </a:solidFill>
+                    <a:latin typeface="標楷體" panose="03000509000000000000" pitchFamily="65" charset="-120"/>
+                    <a:ea typeface="標楷體" panose="03000509000000000000" pitchFamily="65" charset="-120"/>
+                    <a:cs typeface="Arial" pitchFamily="34" charset="0"/>
+                  </a:rPr>
+                  <a:t>放</a:t>
+                </a:r>
+                <a:r>
+                  <a:rPr lang="en-US" altLang="zh-TW" sz="1600" b="1" dirty="0">
+                    <a:solidFill>
+                      <a:schemeClr val="bg1"/>
+                    </a:solidFill>
+                    <a:latin typeface="標楷體" panose="03000509000000000000" pitchFamily="65" charset="-120"/>
+                    <a:ea typeface="標楷體" panose="03000509000000000000" pitchFamily="65" charset="-120"/>
+                    <a:cs typeface="Arial" pitchFamily="34" charset="0"/>
+                  </a:rPr>
+                  <a:t>img313 </a:t>
+                </a:r>
+                <a:r>
+                  <a:rPr lang="zh-TW" altLang="en-US" sz="1600" b="1" dirty="0">
+                    <a:solidFill>
+                      <a:schemeClr val="bg1"/>
+                    </a:solidFill>
+                    <a:latin typeface="標楷體" panose="03000509000000000000" pitchFamily="65" charset="-120"/>
+                    <a:ea typeface="標楷體" panose="03000509000000000000" pitchFamily="65" charset="-120"/>
+                    <a:cs typeface="Arial" pitchFamily="34" charset="0"/>
+                  </a:rPr>
+                  <a:t>的結果</a:t>
+                </a:r>
+                <a:endParaRPr lang="ko-KR" altLang="en-US" sz="1600" b="1" dirty="0">
+                  <a:solidFill>
+                    <a:schemeClr val="bg1"/>
+                  </a:solidFill>
+                  <a:latin typeface="標楷體" panose="03000509000000000000" pitchFamily="65" charset="-120"/>
+                  <a:cs typeface="Arial" pitchFamily="34" charset="0"/>
+                </a:endParaRPr>
+              </a:p>
+            </p:txBody>
+          </p:sp>
+          <p:sp>
+            <p:nvSpPr>
+              <p:cNvPr id="37" name="TextBox 36">
+                <a:extLst>
+                  <a:ext uri="{FF2B5EF4-FFF2-40B4-BE49-F238E27FC236}">
+                    <a16:creationId xmlns:a16="http://schemas.microsoft.com/office/drawing/2014/main" id="{AFB322FF-75A2-4E8C-B89C-3336D69F353F}"/>
+                  </a:ext>
+                </a:extLst>
+              </p:cNvPr>
+              <p:cNvSpPr txBox="1"/>
+              <p:nvPr/>
+            </p:nvSpPr>
+            <p:spPr>
+              <a:xfrm>
+                <a:off x="2167367" y="1375358"/>
+                <a:ext cx="3119026" cy="1754326"/>
+              </a:xfrm>
+              <a:prstGeom prst="rect">
+                <a:avLst/>
+              </a:prstGeom>
+              <a:noFill/>
+            </p:spPr>
+            <p:txBody>
+              <a:bodyPr wrap="square" rtlCol="0">
+                <a:spAutoFit/>
+              </a:bodyPr>
+              <a:lstStyle/>
+              <a:p>
+                <a:r>
+                  <a:rPr lang="zh-TW" altLang="en-US" sz="1200" dirty="0">
+                    <a:solidFill>
+                      <a:schemeClr val="bg1"/>
+                    </a:solidFill>
+                    <a:latin typeface="標楷體" panose="03000509000000000000" pitchFamily="65" charset="-120"/>
+                    <a:ea typeface="標楷體" panose="03000509000000000000" pitchFamily="65" charset="-120"/>
+                    <a:cs typeface="Arial" pitchFamily="34" charset="0"/>
+                  </a:rPr>
+                  <a:t>此結果還算滿意</a:t>
+                </a:r>
+              </a:p>
+              <a:p>
+                <a:r>
+                  <a:rPr lang="zh-TW" altLang="en-US" sz="1200" dirty="0">
+                    <a:solidFill>
+                      <a:schemeClr val="bg1"/>
+                    </a:solidFill>
+                    <a:latin typeface="標楷體" panose="03000509000000000000" pitchFamily="65" charset="-120"/>
+                    <a:ea typeface="標楷體" panose="03000509000000000000" pitchFamily="65" charset="-120"/>
+                    <a:cs typeface="Arial" pitchFamily="34" charset="0"/>
+                  </a:rPr>
+                  <a:t>前述偵測線條瑕疵的無法將從影片中擷取下來的影像內之線條瑕疵做辨識，故在做一個特別偵測該影像用之</a:t>
+                </a:r>
+                <a:r>
+                  <a:rPr lang="zh-TW" altLang="en-US" sz="1200" dirty="0" smtClean="0">
+                    <a:solidFill>
+                      <a:schemeClr val="bg1"/>
+                    </a:solidFill>
+                    <a:latin typeface="標楷體" panose="03000509000000000000" pitchFamily="65" charset="-120"/>
+                    <a:ea typeface="標楷體" panose="03000509000000000000" pitchFamily="65" charset="-120"/>
+                    <a:cs typeface="Arial" pitchFamily="34" charset="0"/>
+                  </a:rPr>
+                  <a:t>部分。</a:t>
+                </a:r>
+                <a:endParaRPr lang="zh-TW" altLang="en-US" sz="1200" dirty="0">
+                  <a:solidFill>
+                    <a:schemeClr val="bg1"/>
+                  </a:solidFill>
+                  <a:latin typeface="標楷體" panose="03000509000000000000" pitchFamily="65" charset="-120"/>
+                  <a:ea typeface="標楷體" panose="03000509000000000000" pitchFamily="65" charset="-120"/>
+                  <a:cs typeface="Arial" pitchFamily="34" charset="0"/>
+                </a:endParaRPr>
+              </a:p>
+              <a:p>
+                <a:r>
+                  <a:rPr lang="zh-TW" altLang="en-US" sz="1200" dirty="0">
+                    <a:solidFill>
+                      <a:schemeClr val="bg1"/>
+                    </a:solidFill>
+                    <a:latin typeface="標楷體" panose="03000509000000000000" pitchFamily="65" charset="-120"/>
+                    <a:ea typeface="標楷體" panose="03000509000000000000" pitchFamily="65" charset="-120"/>
+                    <a:cs typeface="Arial" pitchFamily="34" charset="0"/>
+                  </a:rPr>
+                  <a:t>因為有些難以判讀此部分線條的瑕疵，經過數</a:t>
+                </a:r>
+                <a:r>
+                  <a:rPr lang="en-US" altLang="zh-TW" sz="1200" dirty="0">
+                    <a:solidFill>
+                      <a:schemeClr val="bg1"/>
+                    </a:solidFill>
+                    <a:latin typeface="標楷體" panose="03000509000000000000" pitchFamily="65" charset="-120"/>
+                    <a:ea typeface="標楷體" panose="03000509000000000000" pitchFamily="65" charset="-120"/>
+                    <a:cs typeface="Arial" pitchFamily="34" charset="0"/>
+                  </a:rPr>
+                  <a:t>10</a:t>
+                </a:r>
+                <a:r>
+                  <a:rPr lang="zh-TW" altLang="en-US" sz="1200" dirty="0">
+                    <a:solidFill>
+                      <a:schemeClr val="bg1"/>
+                    </a:solidFill>
+                    <a:latin typeface="標楷體" panose="03000509000000000000" pitchFamily="65" charset="-120"/>
+                    <a:ea typeface="標楷體" panose="03000509000000000000" pitchFamily="65" charset="-120"/>
+                    <a:cs typeface="Arial" pitchFamily="34" charset="0"/>
+                  </a:rPr>
+                  <a:t>小時的測試後最後得出，將</a:t>
+                </a:r>
+                <a:r>
+                  <a:rPr lang="en-US" altLang="zh-TW" sz="1200" dirty="0">
+                    <a:solidFill>
+                      <a:schemeClr val="bg1"/>
+                    </a:solidFill>
+                    <a:latin typeface="標楷體" panose="03000509000000000000" pitchFamily="65" charset="-120"/>
+                    <a:ea typeface="標楷體" panose="03000509000000000000" pitchFamily="65" charset="-120"/>
+                    <a:cs typeface="Arial" pitchFamily="34" charset="0"/>
+                  </a:rPr>
+                  <a:t>filter</a:t>
+                </a:r>
+                <a:r>
+                  <a:rPr lang="zh-TW" altLang="en-US" sz="1200" dirty="0">
+                    <a:solidFill>
+                      <a:schemeClr val="bg1"/>
+                    </a:solidFill>
+                    <a:latin typeface="標楷體" panose="03000509000000000000" pitchFamily="65" charset="-120"/>
+                    <a:ea typeface="標楷體" panose="03000509000000000000" pitchFamily="65" charset="-120"/>
+                    <a:cs typeface="Arial" pitchFamily="34" charset="0"/>
+                  </a:rPr>
+                  <a:t>放大並將</a:t>
+                </a:r>
+                <a:r>
+                  <a:rPr lang="en-US" altLang="zh-TW" sz="1200" dirty="0">
+                    <a:solidFill>
+                      <a:schemeClr val="bg1"/>
+                    </a:solidFill>
+                    <a:latin typeface="標楷體" panose="03000509000000000000" pitchFamily="65" charset="-120"/>
+                    <a:ea typeface="標楷體" panose="03000509000000000000" pitchFamily="65" charset="-120"/>
+                    <a:cs typeface="Arial" pitchFamily="34" charset="0"/>
+                  </a:rPr>
+                  <a:t>offset</a:t>
+                </a:r>
+                <a:r>
+                  <a:rPr lang="zh-TW" altLang="en-US" sz="1200" dirty="0">
+                    <a:solidFill>
+                      <a:schemeClr val="bg1"/>
+                    </a:solidFill>
+                    <a:latin typeface="標楷體" panose="03000509000000000000" pitchFamily="65" charset="-120"/>
+                    <a:ea typeface="標楷體" panose="03000509000000000000" pitchFamily="65" charset="-120"/>
+                    <a:cs typeface="Arial" pitchFamily="34" charset="0"/>
+                  </a:rPr>
+                  <a:t>縮小來做判</a:t>
+                </a:r>
+                <a:r>
+                  <a:rPr lang="zh-TW" altLang="en-US" sz="1200" dirty="0" smtClean="0">
+                    <a:solidFill>
+                      <a:schemeClr val="bg1"/>
+                    </a:solidFill>
+                    <a:latin typeface="標楷體" panose="03000509000000000000" pitchFamily="65" charset="-120"/>
+                    <a:ea typeface="標楷體" panose="03000509000000000000" pitchFamily="65" charset="-120"/>
+                    <a:cs typeface="Arial" pitchFamily="34" charset="0"/>
+                  </a:rPr>
+                  <a:t>讀。</a:t>
+                </a:r>
+                <a:endParaRPr lang="zh-TW" altLang="en-US" sz="1200" dirty="0">
+                  <a:solidFill>
+                    <a:schemeClr val="bg1"/>
+                  </a:solidFill>
+                  <a:latin typeface="標楷體" panose="03000509000000000000" pitchFamily="65" charset="-120"/>
+                  <a:ea typeface="標楷體" panose="03000509000000000000" pitchFamily="65" charset="-120"/>
+                  <a:cs typeface="Arial" pitchFamily="34" charset="0"/>
+                </a:endParaRPr>
+              </a:p>
+              <a:p>
+                <a:r>
+                  <a:rPr lang="zh-TW" altLang="en-US" sz="1200" dirty="0">
+                    <a:solidFill>
+                      <a:schemeClr val="bg1"/>
+                    </a:solidFill>
+                    <a:latin typeface="標楷體" panose="03000509000000000000" pitchFamily="65" charset="-120"/>
+                    <a:ea typeface="標楷體" panose="03000509000000000000" pitchFamily="65" charset="-120"/>
+                    <a:cs typeface="Arial" pitchFamily="34" charset="0"/>
+                  </a:rPr>
+                  <a:t>想法為若有瑕疵的話那其有瑕疵的部分應會很明顯地和周圍無瑕疵的部分有所</a:t>
+                </a:r>
+                <a:r>
+                  <a:rPr lang="zh-TW" altLang="en-US" sz="1200" dirty="0" smtClean="0">
+                    <a:solidFill>
+                      <a:schemeClr val="bg1"/>
+                    </a:solidFill>
+                    <a:latin typeface="標楷體" panose="03000509000000000000" pitchFamily="65" charset="-120"/>
+                    <a:ea typeface="標楷體" panose="03000509000000000000" pitchFamily="65" charset="-120"/>
+                    <a:cs typeface="Arial" pitchFamily="34" charset="0"/>
+                  </a:rPr>
+                  <a:t>不同。</a:t>
+                </a:r>
+                <a:endParaRPr lang="ko-KR" altLang="en-US" sz="1200" dirty="0">
+                  <a:solidFill>
+                    <a:schemeClr val="bg1"/>
+                  </a:solidFill>
+                  <a:latin typeface="標楷體" panose="03000509000000000000" pitchFamily="65" charset="-120"/>
+                  <a:cs typeface="Arial" pitchFamily="34" charset="0"/>
+                </a:endParaRPr>
+              </a:p>
+            </p:txBody>
+          </p:sp>
+        </p:grpSp>
+        <p:sp>
+          <p:nvSpPr>
+            <p:cNvPr id="35" name="TextBox 34">
+              <a:extLst>
+                <a:ext uri="{FF2B5EF4-FFF2-40B4-BE49-F238E27FC236}">
+                  <a16:creationId xmlns:a16="http://schemas.microsoft.com/office/drawing/2014/main" id="{AB293F03-E00B-47AA-8529-CF6A7F671F8B}"/>
+                </a:ext>
+              </a:extLst>
+            </p:cNvPr>
+            <p:cNvSpPr txBox="1"/>
+            <p:nvPr/>
+          </p:nvSpPr>
+          <p:spPr>
+            <a:xfrm>
+              <a:off x="610359" y="1897440"/>
+              <a:ext cx="1642816" cy="1569660"/>
+            </a:xfrm>
+            <a:prstGeom prst="rect">
+              <a:avLst/>
+            </a:prstGeom>
+            <a:noFill/>
+          </p:spPr>
+          <p:txBody>
+            <a:bodyPr wrap="square" lIns="108000" rIns="108000" rtlCol="0">
+              <a:spAutoFit/>
+            </a:bodyPr>
+            <a:lstStyle/>
+            <a:p>
+              <a:pPr algn="r"/>
+              <a:r>
+                <a:rPr lang="en-US" altLang="ko-KR" sz="9600" b="1" dirty="0">
+                  <a:solidFill>
+                    <a:schemeClr val="bg1"/>
+                  </a:solidFill>
+                  <a:cs typeface="Arial" pitchFamily="34" charset="0"/>
+                </a:rPr>
+                <a:t>04</a:t>
+              </a:r>
+              <a:endParaRPr lang="ko-KR" altLang="en-US" sz="9600" b="1" dirty="0">
+                <a:solidFill>
+                  <a:schemeClr val="bg1"/>
+                </a:solidFill>
+                <a:cs typeface="Arial" pitchFamily="34" charset="0"/>
+              </a:endParaRPr>
+            </a:p>
+          </p:txBody>
+        </p:sp>
+      </p:grpSp>
+    </p:spTree>
+    <p:extLst>
+      <p:ext uri="{BB962C8B-B14F-4D97-AF65-F5344CB8AC3E}">
+        <p14:creationId xmlns:p14="http://schemas.microsoft.com/office/powerpoint/2010/main" val="1358177811"/>
+      </p:ext>
+    </p:extLst>
+  </p:cSld>
+  <p:clrMapOvr>
+    <a:masterClrMapping/>
+  </p:clrMapOvr>
+  <p:timing>
+    <p:tnLst>
+      <p:par>
+        <p:cTn id="1" dur="indefinite" restart="never" nodeType="tmRoot"/>
+      </p:par>
+    </p:tnLst>
+  </p:timing>
+</p:sld>
+</file>
+
+<file path=ppt/slides/slide14.xml><?xml version="1.0" encoding="utf-8"?>
+<p:sld xmlns:a="http://schemas.openxmlformats.org/drawingml/2006/main" xmlns:r="http://schemas.openxmlformats.org/officeDocument/2006/relationships" xmlns:p="http://schemas.openxmlformats.org/presentationml/2006/main">
+  <p:cSld>
+    <p:spTree>
+      <p:nvGrpSpPr>
+        <p:cNvPr id="1" name=""/>
+        <p:cNvGrpSpPr/>
+        <p:nvPr/>
+      </p:nvGrpSpPr>
+      <p:grpSpPr>
+        <a:xfrm>
+          <a:off x="0" y="0"/>
+          <a:ext cx="0" cy="0"/>
+          <a:chOff x="0" y="0"/>
+          <a:chExt cx="0" cy="0"/>
+        </a:xfrm>
+      </p:grpSpPr>
+      <p:sp>
+        <p:nvSpPr>
+          <p:cNvPr id="4" name="TextBox 3">
+            <a:extLst>
+              <a:ext uri="{FF2B5EF4-FFF2-40B4-BE49-F238E27FC236}">
+                <a16:creationId xmlns:a16="http://schemas.microsoft.com/office/drawing/2014/main" id="{15A4BDA0-C270-4764-9C18-A593BCE2C965}"/>
+              </a:ext>
+            </a:extLst>
+          </p:cNvPr>
+          <p:cNvSpPr txBox="1"/>
+          <p:nvPr/>
+        </p:nvSpPr>
+        <p:spPr>
+          <a:xfrm>
+            <a:off x="0" y="104658"/>
+            <a:ext cx="12192000" cy="923330"/>
+          </a:xfrm>
+          <a:prstGeom prst="rect">
+            <a:avLst/>
+          </a:prstGeom>
+          <a:noFill/>
+        </p:spPr>
+        <p:txBody>
+          <a:bodyPr wrap="square" rtlCol="0" anchor="ctr">
+            <a:spAutoFit/>
+          </a:bodyPr>
+          <a:lstStyle/>
+          <a:p>
+            <a:pPr algn="ctr"/>
+            <a:r>
+              <a:rPr lang="zh-TW" altLang="en-US" sz="5400" b="1" dirty="0" smtClean="0">
+                <a:solidFill>
+                  <a:schemeClr val="bg1"/>
+                </a:solidFill>
+                <a:latin typeface="標楷體" panose="03000509000000000000" pitchFamily="65" charset="-120"/>
+                <a:ea typeface="標楷體" panose="03000509000000000000" pitchFamily="65" charset="-120"/>
+                <a:cs typeface="Arial" pitchFamily="34" charset="0"/>
+              </a:rPr>
+              <a:t>成果</a:t>
+            </a:r>
+            <a:endParaRPr lang="ko-KR" altLang="en-US" sz="5400" b="1" dirty="0">
+              <a:solidFill>
+                <a:schemeClr val="bg1"/>
+              </a:solidFill>
+              <a:latin typeface="標楷體" panose="03000509000000000000" pitchFamily="65" charset="-120"/>
+              <a:cs typeface="Arial" pitchFamily="34" charset="0"/>
+            </a:endParaRPr>
+          </a:p>
+        </p:txBody>
+      </p:sp>
+      <p:grpSp>
+        <p:nvGrpSpPr>
+          <p:cNvPr id="2" name="그룹 1">
+            <a:extLst>
+              <a:ext uri="{FF2B5EF4-FFF2-40B4-BE49-F238E27FC236}">
+                <a16:creationId xmlns:a16="http://schemas.microsoft.com/office/drawing/2014/main" id="{F106C7E5-9013-4496-8751-73207C3F7FA5}"/>
+              </a:ext>
+            </a:extLst>
+          </p:cNvPr>
+          <p:cNvGrpSpPr/>
+          <p:nvPr/>
+        </p:nvGrpSpPr>
+        <p:grpSpPr>
+          <a:xfrm>
+            <a:off x="1569147" y="1179545"/>
+            <a:ext cx="8578030" cy="1569660"/>
+            <a:chOff x="610359" y="1897440"/>
+            <a:chExt cx="5128379" cy="1569660"/>
+          </a:xfrm>
+        </p:grpSpPr>
+        <p:grpSp>
+          <p:nvGrpSpPr>
+            <p:cNvPr id="5" name="Group 6">
+              <a:extLst>
+                <a:ext uri="{FF2B5EF4-FFF2-40B4-BE49-F238E27FC236}">
+                  <a16:creationId xmlns:a16="http://schemas.microsoft.com/office/drawing/2014/main" id="{037F574A-B71F-4982-8261-91249FD0ED5B}"/>
+                </a:ext>
+              </a:extLst>
+            </p:cNvPr>
+            <p:cNvGrpSpPr/>
+            <p:nvPr/>
+          </p:nvGrpSpPr>
+          <p:grpSpPr>
+            <a:xfrm>
+              <a:off x="2249993" y="2000241"/>
+              <a:ext cx="3488745" cy="701278"/>
+              <a:chOff x="1797648" y="951079"/>
+              <a:chExt cx="3488745" cy="701278"/>
+            </a:xfrm>
+          </p:grpSpPr>
+          <p:sp>
+            <p:nvSpPr>
+              <p:cNvPr id="6" name="TextBox 5">
+                <a:extLst>
+                  <a:ext uri="{FF2B5EF4-FFF2-40B4-BE49-F238E27FC236}">
+                    <a16:creationId xmlns:a16="http://schemas.microsoft.com/office/drawing/2014/main" id="{35AA73B7-35EF-4ED3-B238-DBE30E4B82EE}"/>
+                  </a:ext>
+                </a:extLst>
+              </p:cNvPr>
+              <p:cNvSpPr txBox="1"/>
+              <p:nvPr/>
+            </p:nvSpPr>
+            <p:spPr>
+              <a:xfrm>
+                <a:off x="1797648" y="951079"/>
+                <a:ext cx="3488745" cy="338554"/>
+              </a:xfrm>
+              <a:prstGeom prst="rect">
+                <a:avLst/>
+              </a:prstGeom>
+              <a:noFill/>
+            </p:spPr>
+            <p:txBody>
+              <a:bodyPr wrap="square" lIns="108000" rIns="108000" rtlCol="0">
+                <a:spAutoFit/>
+              </a:bodyPr>
+              <a:lstStyle/>
+              <a:p>
+                <a:r>
+                  <a:rPr lang="en-US" altLang="zh-TW" sz="1600" b="1" dirty="0" err="1">
+                    <a:solidFill>
+                      <a:schemeClr val="bg1"/>
+                    </a:solidFill>
+                    <a:latin typeface="標楷體" panose="03000509000000000000" pitchFamily="65" charset="-120"/>
+                    <a:ea typeface="標楷體" panose="03000509000000000000" pitchFamily="65" charset="-120"/>
+                    <a:cs typeface="Arial" pitchFamily="34" charset="0"/>
+                  </a:rPr>
+                  <a:t>img</a:t>
+                </a:r>
+                <a:r>
+                  <a:rPr lang="en-US" altLang="zh-TW" sz="1600" b="1" dirty="0">
+                    <a:solidFill>
+                      <a:schemeClr val="bg1"/>
+                    </a:solidFill>
+                    <a:latin typeface="標楷體" panose="03000509000000000000" pitchFamily="65" charset="-120"/>
+                    <a:ea typeface="標楷體" panose="03000509000000000000" pitchFamily="65" charset="-120"/>
+                    <a:cs typeface="Arial" pitchFamily="34" charset="0"/>
+                  </a:rPr>
+                  <a:t> </a:t>
+                </a:r>
+                <a:r>
+                  <a:rPr lang="zh-TW" altLang="en-US" sz="1600" b="1" dirty="0">
+                    <a:solidFill>
+                      <a:schemeClr val="bg1"/>
+                    </a:solidFill>
+                    <a:latin typeface="標楷體" panose="03000509000000000000" pitchFamily="65" charset="-120"/>
+                    <a:ea typeface="標楷體" panose="03000509000000000000" pitchFamily="65" charset="-120"/>
+                    <a:cs typeface="Arial" pitchFamily="34" charset="0"/>
+                  </a:rPr>
+                  <a:t>內放的是從影片上面擷取的影像</a:t>
+                </a:r>
+                <a:endParaRPr lang="ko-KR" altLang="en-US" sz="1600" b="1" dirty="0">
+                  <a:solidFill>
+                    <a:schemeClr val="bg1"/>
+                  </a:solidFill>
+                  <a:latin typeface="標楷體" panose="03000509000000000000" pitchFamily="65" charset="-120"/>
+                  <a:cs typeface="Arial" pitchFamily="34" charset="0"/>
+                </a:endParaRPr>
+              </a:p>
+            </p:txBody>
+          </p:sp>
+          <p:sp>
+            <p:nvSpPr>
+              <p:cNvPr id="7" name="TextBox 6">
+                <a:extLst>
+                  <a:ext uri="{FF2B5EF4-FFF2-40B4-BE49-F238E27FC236}">
+                    <a16:creationId xmlns:a16="http://schemas.microsoft.com/office/drawing/2014/main" id="{E1382AA1-DBC9-4CDE-AD6E-9E768D29770F}"/>
+                  </a:ext>
+                </a:extLst>
+              </p:cNvPr>
+              <p:cNvSpPr txBox="1"/>
+              <p:nvPr/>
+            </p:nvSpPr>
+            <p:spPr>
+              <a:xfrm>
+                <a:off x="2167367" y="1375358"/>
+                <a:ext cx="3119026" cy="276999"/>
+              </a:xfrm>
+              <a:prstGeom prst="rect">
+                <a:avLst/>
+              </a:prstGeom>
+              <a:noFill/>
+            </p:spPr>
+            <p:txBody>
+              <a:bodyPr wrap="square" rtlCol="0">
+                <a:spAutoFit/>
+              </a:bodyPr>
+              <a:lstStyle/>
+              <a:p>
+                <a:r>
+                  <a:rPr lang="zh-TW" altLang="en-US" sz="1200" dirty="0">
+                    <a:solidFill>
+                      <a:schemeClr val="bg1"/>
+                    </a:solidFill>
+                    <a:latin typeface="標楷體" panose="03000509000000000000" pitchFamily="65" charset="-120"/>
+                    <a:ea typeface="標楷體" panose="03000509000000000000" pitchFamily="65" charset="-120"/>
+                    <a:cs typeface="Arial" pitchFamily="34" charset="0"/>
+                  </a:rPr>
+                  <a:t>其中共有</a:t>
+                </a:r>
+                <a:r>
+                  <a:rPr lang="en-US" altLang="zh-TW" sz="1200" dirty="0">
+                    <a:solidFill>
+                      <a:schemeClr val="bg1"/>
+                    </a:solidFill>
+                    <a:latin typeface="標楷體" panose="03000509000000000000" pitchFamily="65" charset="-120"/>
+                    <a:ea typeface="標楷體" panose="03000509000000000000" pitchFamily="65" charset="-120"/>
+                    <a:cs typeface="Arial" pitchFamily="34" charset="0"/>
+                  </a:rPr>
+                  <a:t>1087</a:t>
+                </a:r>
+                <a:r>
+                  <a:rPr lang="zh-TW" altLang="en-US" sz="1200" dirty="0">
+                    <a:solidFill>
+                      <a:schemeClr val="bg1"/>
+                    </a:solidFill>
+                    <a:latin typeface="標楷體" panose="03000509000000000000" pitchFamily="65" charset="-120"/>
+                    <a:ea typeface="標楷體" panose="03000509000000000000" pitchFamily="65" charset="-120"/>
+                    <a:cs typeface="Arial" pitchFamily="34" charset="0"/>
+                  </a:rPr>
+                  <a:t>張影像</a:t>
+                </a:r>
+                <a:endParaRPr lang="ko-KR" altLang="en-US" sz="1200" dirty="0">
+                  <a:solidFill>
+                    <a:schemeClr val="bg1"/>
+                  </a:solidFill>
+                  <a:latin typeface="標楷體" panose="03000509000000000000" pitchFamily="65" charset="-120"/>
+                  <a:cs typeface="Arial" pitchFamily="34" charset="0"/>
+                </a:endParaRPr>
+              </a:p>
+            </p:txBody>
+          </p:sp>
+        </p:grpSp>
+        <p:sp>
+          <p:nvSpPr>
+            <p:cNvPr id="9" name="TextBox 8">
+              <a:extLst>
+                <a:ext uri="{FF2B5EF4-FFF2-40B4-BE49-F238E27FC236}">
+                  <a16:creationId xmlns:a16="http://schemas.microsoft.com/office/drawing/2014/main" id="{E2D5861F-75DE-456E-9B01-5A531A1EF4A6}"/>
+                </a:ext>
+              </a:extLst>
+            </p:cNvPr>
+            <p:cNvSpPr txBox="1"/>
+            <p:nvPr/>
+          </p:nvSpPr>
+          <p:spPr>
+            <a:xfrm>
+              <a:off x="610359" y="1897440"/>
+              <a:ext cx="1642816" cy="1569660"/>
+            </a:xfrm>
+            <a:prstGeom prst="rect">
+              <a:avLst/>
+            </a:prstGeom>
+            <a:noFill/>
+          </p:spPr>
+          <p:txBody>
+            <a:bodyPr wrap="square" lIns="108000" rIns="108000" rtlCol="0">
+              <a:spAutoFit/>
+            </a:bodyPr>
+            <a:lstStyle/>
+            <a:p>
+              <a:pPr algn="r"/>
+              <a:r>
+                <a:rPr lang="en-US" altLang="ko-KR" sz="9600" b="1" dirty="0" smtClean="0">
+                  <a:solidFill>
+                    <a:schemeClr val="bg1"/>
+                  </a:solidFill>
+                  <a:cs typeface="Arial" pitchFamily="34" charset="0"/>
+                </a:rPr>
+                <a:t>0</a:t>
+              </a:r>
+              <a:r>
+                <a:rPr lang="en-US" altLang="zh-TW" sz="9600" b="1" dirty="0" smtClean="0">
+                  <a:solidFill>
+                    <a:schemeClr val="bg1"/>
+                  </a:solidFill>
+                  <a:cs typeface="Arial" pitchFamily="34" charset="0"/>
+                </a:rPr>
+                <a:t>5</a:t>
+              </a:r>
+              <a:endParaRPr lang="ko-KR" altLang="en-US" sz="9600" b="1" dirty="0">
+                <a:solidFill>
+                  <a:schemeClr val="bg1"/>
+                </a:solidFill>
+                <a:cs typeface="Arial" pitchFamily="34" charset="0"/>
+              </a:endParaRPr>
+            </a:p>
+          </p:txBody>
+        </p:sp>
+      </p:grpSp>
+      <p:grpSp>
+        <p:nvGrpSpPr>
+          <p:cNvPr id="11" name="그룹 10">
+            <a:extLst>
+              <a:ext uri="{FF2B5EF4-FFF2-40B4-BE49-F238E27FC236}">
+                <a16:creationId xmlns:a16="http://schemas.microsoft.com/office/drawing/2014/main" id="{9AA7F620-C8DC-4F18-A05C-EDF803FE0FE8}"/>
+              </a:ext>
+            </a:extLst>
+          </p:cNvPr>
+          <p:cNvGrpSpPr/>
+          <p:nvPr/>
+        </p:nvGrpSpPr>
+        <p:grpSpPr>
+          <a:xfrm>
+            <a:off x="1569147" y="2862379"/>
+            <a:ext cx="8578030" cy="1569660"/>
+            <a:chOff x="610359" y="1897440"/>
+            <a:chExt cx="5128379" cy="1569660"/>
+          </a:xfrm>
+        </p:grpSpPr>
+        <p:grpSp>
+          <p:nvGrpSpPr>
+            <p:cNvPr id="12" name="Group 6">
+              <a:extLst>
+                <a:ext uri="{FF2B5EF4-FFF2-40B4-BE49-F238E27FC236}">
+                  <a16:creationId xmlns:a16="http://schemas.microsoft.com/office/drawing/2014/main" id="{4CEDAC6E-741A-4A54-AC9A-D18566898FE9}"/>
+                </a:ext>
+              </a:extLst>
+            </p:cNvPr>
+            <p:cNvGrpSpPr/>
+            <p:nvPr/>
+          </p:nvGrpSpPr>
+          <p:grpSpPr>
+            <a:xfrm>
+              <a:off x="2249993" y="2000241"/>
+              <a:ext cx="3488745" cy="1097527"/>
+              <a:chOff x="1797648" y="951079"/>
+              <a:chExt cx="3488745" cy="1097527"/>
+            </a:xfrm>
+          </p:grpSpPr>
+          <p:sp>
+            <p:nvSpPr>
+              <p:cNvPr id="14" name="TextBox 13">
+                <a:extLst>
+                  <a:ext uri="{FF2B5EF4-FFF2-40B4-BE49-F238E27FC236}">
+                    <a16:creationId xmlns:a16="http://schemas.microsoft.com/office/drawing/2014/main" id="{38168D67-7933-4A99-95AD-BEBD4F0423F4}"/>
+                  </a:ext>
+                </a:extLst>
+              </p:cNvPr>
+              <p:cNvSpPr txBox="1"/>
+              <p:nvPr/>
+            </p:nvSpPr>
+            <p:spPr>
+              <a:xfrm>
+                <a:off x="1797648" y="951079"/>
+                <a:ext cx="3488745" cy="584775"/>
+              </a:xfrm>
+              <a:prstGeom prst="rect">
+                <a:avLst/>
+              </a:prstGeom>
+              <a:noFill/>
+            </p:spPr>
+            <p:txBody>
+              <a:bodyPr wrap="square" lIns="108000" rIns="108000" rtlCol="0">
+                <a:spAutoFit/>
+              </a:bodyPr>
+              <a:lstStyle/>
+              <a:p>
+                <a:r>
+                  <a:rPr lang="en-US" altLang="zh-TW" sz="1600" b="1" dirty="0">
+                    <a:solidFill>
+                      <a:schemeClr val="bg1"/>
+                    </a:solidFill>
+                    <a:latin typeface="標楷體" panose="03000509000000000000" pitchFamily="65" charset="-120"/>
+                    <a:ea typeface="標楷體" panose="03000509000000000000" pitchFamily="65" charset="-120"/>
+                    <a:cs typeface="Arial" pitchFamily="34" charset="0"/>
+                  </a:rPr>
+                  <a:t>need </a:t>
+                </a:r>
+                <a:r>
+                  <a:rPr lang="zh-TW" altLang="en-US" sz="1600" b="1" dirty="0">
+                    <a:solidFill>
+                      <a:schemeClr val="bg1"/>
+                    </a:solidFill>
+                    <a:latin typeface="標楷體" panose="03000509000000000000" pitchFamily="65" charset="-120"/>
+                    <a:ea typeface="標楷體" panose="03000509000000000000" pitchFamily="65" charset="-120"/>
+                    <a:cs typeface="Arial" pitchFamily="34" charset="0"/>
+                  </a:rPr>
+                  <a:t>內放的是擷取下來的影像中有瑕疵的影像</a:t>
+                </a:r>
+                <a:endParaRPr lang="ko-KR" altLang="en-US" sz="1600" b="1" dirty="0">
+                  <a:solidFill>
+                    <a:schemeClr val="bg1"/>
+                  </a:solidFill>
+                  <a:latin typeface="標楷體" panose="03000509000000000000" pitchFamily="65" charset="-120"/>
+                  <a:cs typeface="Arial" pitchFamily="34" charset="0"/>
+                </a:endParaRPr>
+              </a:p>
+            </p:txBody>
+          </p:sp>
+          <p:sp>
+            <p:nvSpPr>
+              <p:cNvPr id="15" name="TextBox 14">
+                <a:extLst>
+                  <a:ext uri="{FF2B5EF4-FFF2-40B4-BE49-F238E27FC236}">
+                    <a16:creationId xmlns:a16="http://schemas.microsoft.com/office/drawing/2014/main" id="{28F871B9-8F04-4BD3-B06B-6606F69828D9}"/>
+                  </a:ext>
+                </a:extLst>
+              </p:cNvPr>
+              <p:cNvSpPr txBox="1"/>
+              <p:nvPr/>
+            </p:nvSpPr>
+            <p:spPr>
+              <a:xfrm>
+                <a:off x="2167367" y="1402275"/>
+                <a:ext cx="3119026" cy="646331"/>
+              </a:xfrm>
+              <a:prstGeom prst="rect">
+                <a:avLst/>
+              </a:prstGeom>
+              <a:noFill/>
+            </p:spPr>
+            <p:txBody>
+              <a:bodyPr wrap="square" rtlCol="0">
+                <a:spAutoFit/>
+              </a:bodyPr>
+              <a:lstStyle/>
+              <a:p>
+                <a:r>
+                  <a:rPr lang="zh-TW" altLang="en-US" sz="1200" dirty="0">
+                    <a:solidFill>
+                      <a:schemeClr val="bg1"/>
+                    </a:solidFill>
+                    <a:latin typeface="標楷體" panose="03000509000000000000" pitchFamily="65" charset="-120"/>
+                    <a:ea typeface="標楷體" panose="03000509000000000000" pitchFamily="65" charset="-120"/>
+                    <a:cs typeface="Arial" pitchFamily="34" charset="0"/>
+                  </a:rPr>
+                  <a:t>其中</a:t>
+                </a:r>
+                <a:r>
+                  <a:rPr lang="en-US" altLang="zh-TW" sz="1200" dirty="0">
+                    <a:solidFill>
+                      <a:schemeClr val="bg1"/>
+                    </a:solidFill>
+                    <a:latin typeface="標楷體" panose="03000509000000000000" pitchFamily="65" charset="-120"/>
+                    <a:ea typeface="標楷體" panose="03000509000000000000" pitchFamily="65" charset="-120"/>
+                    <a:cs typeface="Arial" pitchFamily="34" charset="0"/>
+                  </a:rPr>
+                  <a:t>black </a:t>
+                </a:r>
+                <a:r>
+                  <a:rPr lang="zh-TW" altLang="en-US" sz="1200" dirty="0">
+                    <a:solidFill>
+                      <a:schemeClr val="bg1"/>
+                    </a:solidFill>
+                    <a:latin typeface="標楷體" panose="03000509000000000000" pitchFamily="65" charset="-120"/>
+                    <a:ea typeface="標楷體" panose="03000509000000000000" pitchFamily="65" charset="-120"/>
+                    <a:cs typeface="Arial" pitchFamily="34" charset="0"/>
+                  </a:rPr>
+                  <a:t>內放的是有洞的瑕疵</a:t>
+                </a:r>
+              </a:p>
+              <a:p>
+                <a:r>
+                  <a:rPr lang="en-US" altLang="zh-TW" sz="1200" dirty="0">
+                    <a:solidFill>
+                      <a:schemeClr val="bg1"/>
+                    </a:solidFill>
+                    <a:latin typeface="標楷體" panose="03000509000000000000" pitchFamily="65" charset="-120"/>
+                    <a:ea typeface="標楷體" panose="03000509000000000000" pitchFamily="65" charset="-120"/>
+                    <a:cs typeface="Arial" pitchFamily="34" charset="0"/>
+                  </a:rPr>
+                  <a:t>other </a:t>
+                </a:r>
+                <a:r>
+                  <a:rPr lang="zh-TW" altLang="en-US" sz="1200" dirty="0">
+                    <a:solidFill>
+                      <a:schemeClr val="bg1"/>
+                    </a:solidFill>
+                    <a:latin typeface="標楷體" panose="03000509000000000000" pitchFamily="65" charset="-120"/>
+                    <a:ea typeface="標楷體" panose="03000509000000000000" pitchFamily="65" charset="-120"/>
+                    <a:cs typeface="Arial" pitchFamily="34" charset="0"/>
+                  </a:rPr>
+                  <a:t>放的是其餘的，基本上都是線條瑕疵</a:t>
+                </a:r>
+              </a:p>
+              <a:p>
+                <a:r>
+                  <a:rPr lang="zh-TW" altLang="en-US" sz="1200" dirty="0">
+                    <a:solidFill>
+                      <a:schemeClr val="bg1"/>
+                    </a:solidFill>
+                    <a:latin typeface="標楷體" panose="03000509000000000000" pitchFamily="65" charset="-120"/>
+                    <a:ea typeface="標楷體" panose="03000509000000000000" pitchFamily="65" charset="-120"/>
+                    <a:cs typeface="Arial" pitchFamily="34" charset="0"/>
+                  </a:rPr>
+                  <a:t>此皆為人工查找在對其一一進行查找</a:t>
+                </a:r>
+                <a:endParaRPr lang="ko-KR" altLang="en-US" sz="1200" dirty="0">
+                  <a:solidFill>
+                    <a:schemeClr val="bg1"/>
+                  </a:solidFill>
+                  <a:latin typeface="標楷體" panose="03000509000000000000" pitchFamily="65" charset="-120"/>
+                  <a:cs typeface="Arial" pitchFamily="34" charset="0"/>
+                </a:endParaRPr>
+              </a:p>
+            </p:txBody>
+          </p:sp>
+        </p:grpSp>
+        <p:sp>
+          <p:nvSpPr>
+            <p:cNvPr id="13" name="TextBox 12">
+              <a:extLst>
+                <a:ext uri="{FF2B5EF4-FFF2-40B4-BE49-F238E27FC236}">
+                  <a16:creationId xmlns:a16="http://schemas.microsoft.com/office/drawing/2014/main" id="{1ED4B613-DC23-47F9-848C-CA62A3DFB909}"/>
+                </a:ext>
+              </a:extLst>
+            </p:cNvPr>
+            <p:cNvSpPr txBox="1"/>
+            <p:nvPr/>
+          </p:nvSpPr>
+          <p:spPr>
+            <a:xfrm>
+              <a:off x="610359" y="1897440"/>
+              <a:ext cx="1642816" cy="1569660"/>
+            </a:xfrm>
+            <a:prstGeom prst="rect">
+              <a:avLst/>
+            </a:prstGeom>
+            <a:noFill/>
+          </p:spPr>
+          <p:txBody>
+            <a:bodyPr wrap="square" lIns="108000" rIns="108000" rtlCol="0">
+              <a:spAutoFit/>
+            </a:bodyPr>
+            <a:lstStyle/>
+            <a:p>
+              <a:pPr algn="r"/>
+              <a:r>
+                <a:rPr lang="en-US" altLang="ko-KR" sz="9600" b="1" dirty="0" smtClean="0">
+                  <a:solidFill>
+                    <a:schemeClr val="bg1"/>
+                  </a:solidFill>
+                  <a:cs typeface="Arial" pitchFamily="34" charset="0"/>
+                </a:rPr>
+                <a:t>0</a:t>
+              </a:r>
+              <a:r>
+                <a:rPr lang="en-US" altLang="zh-TW" sz="9600" b="1" dirty="0" smtClean="0">
+                  <a:solidFill>
+                    <a:schemeClr val="bg1"/>
+                  </a:solidFill>
+                  <a:cs typeface="Arial" pitchFamily="34" charset="0"/>
+                </a:rPr>
+                <a:t>6</a:t>
+              </a:r>
+              <a:endParaRPr lang="ko-KR" altLang="en-US" sz="9600" b="1" dirty="0">
+                <a:solidFill>
+                  <a:schemeClr val="bg1"/>
+                </a:solidFill>
+                <a:cs typeface="Arial" pitchFamily="34" charset="0"/>
+              </a:endParaRPr>
+            </a:p>
+          </p:txBody>
+        </p:sp>
+      </p:grpSp>
+      <p:grpSp>
+        <p:nvGrpSpPr>
+          <p:cNvPr id="26" name="그룹 25">
+            <a:extLst>
+              <a:ext uri="{FF2B5EF4-FFF2-40B4-BE49-F238E27FC236}">
+                <a16:creationId xmlns:a16="http://schemas.microsoft.com/office/drawing/2014/main" id="{D07B5ECE-B5FC-4958-8594-0CA40756AF69}"/>
+              </a:ext>
+            </a:extLst>
+          </p:cNvPr>
+          <p:cNvGrpSpPr/>
+          <p:nvPr/>
+        </p:nvGrpSpPr>
+        <p:grpSpPr>
+          <a:xfrm>
+            <a:off x="1569187" y="4766220"/>
+            <a:ext cx="8577990" cy="1569660"/>
+            <a:chOff x="610359" y="1897440"/>
+            <a:chExt cx="5128379" cy="1569660"/>
+          </a:xfrm>
+        </p:grpSpPr>
+        <p:grpSp>
+          <p:nvGrpSpPr>
+            <p:cNvPr id="27" name="Group 6">
+              <a:extLst>
+                <a:ext uri="{FF2B5EF4-FFF2-40B4-BE49-F238E27FC236}">
+                  <a16:creationId xmlns:a16="http://schemas.microsoft.com/office/drawing/2014/main" id="{38E43BDB-943B-455A-A231-35351D02B317}"/>
+                </a:ext>
+              </a:extLst>
+            </p:cNvPr>
+            <p:cNvGrpSpPr/>
+            <p:nvPr/>
+          </p:nvGrpSpPr>
+          <p:grpSpPr>
+            <a:xfrm>
+              <a:off x="2249993" y="2000241"/>
+              <a:ext cx="3488745" cy="885944"/>
+              <a:chOff x="1797648" y="951079"/>
+              <a:chExt cx="3488745" cy="885944"/>
+            </a:xfrm>
+          </p:grpSpPr>
+          <p:sp>
+            <p:nvSpPr>
+              <p:cNvPr id="29" name="TextBox 28">
+                <a:extLst>
+                  <a:ext uri="{FF2B5EF4-FFF2-40B4-BE49-F238E27FC236}">
+                    <a16:creationId xmlns:a16="http://schemas.microsoft.com/office/drawing/2014/main" id="{D53E9675-B4F5-4442-9619-C89E059F72BB}"/>
+                  </a:ext>
+                </a:extLst>
+              </p:cNvPr>
+              <p:cNvSpPr txBox="1"/>
+              <p:nvPr/>
+            </p:nvSpPr>
+            <p:spPr>
+              <a:xfrm>
+                <a:off x="1797648" y="951079"/>
+                <a:ext cx="3488745" cy="584775"/>
+              </a:xfrm>
+              <a:prstGeom prst="rect">
+                <a:avLst/>
+              </a:prstGeom>
+              <a:noFill/>
+            </p:spPr>
+            <p:txBody>
+              <a:bodyPr wrap="square" lIns="108000" rIns="108000" rtlCol="0">
+                <a:spAutoFit/>
+              </a:bodyPr>
+              <a:lstStyle/>
+              <a:p>
+                <a:r>
+                  <a:rPr lang="en-US" altLang="zh-TW" sz="1600" b="1" dirty="0">
+                    <a:solidFill>
+                      <a:schemeClr val="bg1"/>
+                    </a:solidFill>
+                    <a:latin typeface="標楷體" panose="03000509000000000000" pitchFamily="65" charset="-120"/>
+                    <a:ea typeface="標楷體" panose="03000509000000000000" pitchFamily="65" charset="-120"/>
+                    <a:cs typeface="Arial" pitchFamily="34" charset="0"/>
+                  </a:rPr>
+                  <a:t>original</a:t>
+                </a:r>
+                <a:r>
+                  <a:rPr lang="zh-TW" altLang="en-US" sz="1600" b="1" dirty="0">
+                    <a:solidFill>
+                      <a:schemeClr val="bg1"/>
+                    </a:solidFill>
+                    <a:latin typeface="標楷體" panose="03000509000000000000" pitchFamily="65" charset="-120"/>
+                    <a:ea typeface="標楷體" panose="03000509000000000000" pitchFamily="65" charset="-120"/>
+                    <a:cs typeface="Arial" pitchFamily="34" charset="0"/>
+                  </a:rPr>
+                  <a:t>內放的是老師提供的原始程式法</a:t>
+                </a:r>
+                <a:endParaRPr lang="ko-KR" altLang="en-US" sz="1600" b="1" dirty="0">
+                  <a:solidFill>
+                    <a:schemeClr val="bg1"/>
+                  </a:solidFill>
+                  <a:latin typeface="標楷體" panose="03000509000000000000" pitchFamily="65" charset="-120"/>
+                  <a:cs typeface="Arial" pitchFamily="34" charset="0"/>
+                </a:endParaRPr>
+              </a:p>
+            </p:txBody>
+          </p:sp>
+          <p:sp>
+            <p:nvSpPr>
+              <p:cNvPr id="30" name="TextBox 29">
+                <a:extLst>
+                  <a:ext uri="{FF2B5EF4-FFF2-40B4-BE49-F238E27FC236}">
+                    <a16:creationId xmlns:a16="http://schemas.microsoft.com/office/drawing/2014/main" id="{4CEF90A1-7890-4058-9D90-B5FEB178ED2B}"/>
+                  </a:ext>
+                </a:extLst>
+              </p:cNvPr>
+              <p:cNvSpPr txBox="1"/>
+              <p:nvPr/>
+            </p:nvSpPr>
+            <p:spPr>
+              <a:xfrm>
+                <a:off x="2167367" y="1375358"/>
+                <a:ext cx="3119026" cy="461665"/>
+              </a:xfrm>
+              <a:prstGeom prst="rect">
+                <a:avLst/>
+              </a:prstGeom>
+              <a:noFill/>
+            </p:spPr>
+            <p:txBody>
+              <a:bodyPr wrap="square" rtlCol="0">
+                <a:spAutoFit/>
+              </a:bodyPr>
+              <a:lstStyle/>
+              <a:p>
+                <a:r>
+                  <a:rPr lang="zh-TW" altLang="en-US" sz="1200" dirty="0">
+                    <a:solidFill>
+                      <a:schemeClr val="bg1"/>
+                    </a:solidFill>
+                    <a:latin typeface="標楷體" panose="03000509000000000000" pitchFamily="65" charset="-120"/>
+                    <a:ea typeface="標楷體" panose="03000509000000000000" pitchFamily="65" charset="-120"/>
+                    <a:cs typeface="Arial" pitchFamily="34" charset="0"/>
+                  </a:rPr>
+                  <a:t>我們使用的為</a:t>
+                </a:r>
+                <a:r>
+                  <a:rPr lang="en-US" altLang="zh-TW" sz="1200" dirty="0" smtClean="0">
+                    <a:solidFill>
+                      <a:schemeClr val="bg1"/>
+                    </a:solidFill>
+                    <a:latin typeface="標楷體" panose="03000509000000000000" pitchFamily="65" charset="-120"/>
+                    <a:ea typeface="標楷體" panose="03000509000000000000" pitchFamily="65" charset="-120"/>
+                    <a:cs typeface="Arial" pitchFamily="34" charset="0"/>
+                  </a:rPr>
+                  <a:t>statistics</a:t>
+                </a:r>
+                <a:r>
+                  <a:rPr lang="zh-TW" altLang="en-US" sz="1200" dirty="0" smtClean="0">
+                    <a:solidFill>
+                      <a:schemeClr val="bg1"/>
+                    </a:solidFill>
+                    <a:latin typeface="標楷體" panose="03000509000000000000" pitchFamily="65" charset="-120"/>
+                    <a:ea typeface="標楷體" panose="03000509000000000000" pitchFamily="65" charset="-120"/>
+                    <a:cs typeface="Arial" pitchFamily="34" charset="0"/>
+                  </a:rPr>
+                  <a:t>，而</a:t>
+                </a:r>
+                <a:r>
+                  <a:rPr lang="en-US" altLang="zh-TW" sz="1200" dirty="0" err="1">
+                    <a:solidFill>
+                      <a:schemeClr val="bg1"/>
+                    </a:solidFill>
+                    <a:latin typeface="標楷體" panose="03000509000000000000" pitchFamily="65" charset="-120"/>
+                    <a:ea typeface="標楷體" panose="03000509000000000000" pitchFamily="65" charset="-120"/>
+                    <a:cs typeface="Arial" pitchFamily="34" charset="0"/>
+                  </a:rPr>
+                  <a:t>autoencoder</a:t>
+                </a:r>
+                <a:r>
+                  <a:rPr lang="en-US" altLang="zh-TW" sz="1200" dirty="0">
+                    <a:solidFill>
+                      <a:schemeClr val="bg1"/>
+                    </a:solidFill>
+                    <a:latin typeface="標楷體" panose="03000509000000000000" pitchFamily="65" charset="-120"/>
+                    <a:ea typeface="標楷體" panose="03000509000000000000" pitchFamily="65" charset="-120"/>
+                    <a:cs typeface="Arial" pitchFamily="34" charset="0"/>
+                  </a:rPr>
+                  <a:t> </a:t>
+                </a:r>
+                <a:r>
+                  <a:rPr lang="zh-TW" altLang="en-US" sz="1200" dirty="0">
+                    <a:solidFill>
+                      <a:schemeClr val="bg1"/>
+                    </a:solidFill>
+                    <a:latin typeface="標楷體" panose="03000509000000000000" pitchFamily="65" charset="-120"/>
+                    <a:ea typeface="標楷體" panose="03000509000000000000" pitchFamily="65" charset="-120"/>
+                    <a:cs typeface="Arial" pitchFamily="34" charset="0"/>
+                  </a:rPr>
+                  <a:t>因為老師也沒講清楚到底個</a:t>
+                </a:r>
+                <a:r>
+                  <a:rPr lang="en-US" altLang="zh-TW" sz="1200" dirty="0" err="1">
+                    <a:solidFill>
+                      <a:schemeClr val="bg1"/>
+                    </a:solidFill>
+                    <a:latin typeface="標楷體" panose="03000509000000000000" pitchFamily="65" charset="-120"/>
+                    <a:ea typeface="標楷體" panose="03000509000000000000" pitchFamily="65" charset="-120"/>
+                    <a:cs typeface="Arial" pitchFamily="34" charset="0"/>
+                  </a:rPr>
+                  <a:t>dir</a:t>
+                </a:r>
+                <a:r>
+                  <a:rPr lang="en-US" altLang="zh-TW" sz="1200" dirty="0">
+                    <a:solidFill>
+                      <a:schemeClr val="bg1"/>
+                    </a:solidFill>
+                    <a:latin typeface="標楷體" panose="03000509000000000000" pitchFamily="65" charset="-120"/>
+                    <a:ea typeface="標楷體" panose="03000509000000000000" pitchFamily="65" charset="-120"/>
+                    <a:cs typeface="Arial" pitchFamily="34" charset="0"/>
+                  </a:rPr>
+                  <a:t> </a:t>
+                </a:r>
+                <a:r>
+                  <a:rPr lang="zh-TW" altLang="en-US" sz="1200" dirty="0">
+                    <a:solidFill>
+                      <a:schemeClr val="bg1"/>
+                    </a:solidFill>
+                    <a:latin typeface="標楷體" panose="03000509000000000000" pitchFamily="65" charset="-120"/>
+                    <a:ea typeface="標楷體" panose="03000509000000000000" pitchFamily="65" charset="-120"/>
+                    <a:cs typeface="Arial" pitchFamily="34" charset="0"/>
+                  </a:rPr>
+                  <a:t>要放甚麼，且電腦跑不太動，故</a:t>
+                </a:r>
+                <a:r>
+                  <a:rPr lang="zh-TW" altLang="en-US" sz="1200" dirty="0" smtClean="0">
+                    <a:solidFill>
+                      <a:schemeClr val="bg1"/>
+                    </a:solidFill>
+                    <a:latin typeface="標楷體" panose="03000509000000000000" pitchFamily="65" charset="-120"/>
+                    <a:ea typeface="標楷體" panose="03000509000000000000" pitchFamily="65" charset="-120"/>
+                    <a:cs typeface="Arial" pitchFamily="34" charset="0"/>
+                  </a:rPr>
+                  <a:t>放棄。</a:t>
+                </a:r>
+                <a:endParaRPr lang="ko-KR" altLang="en-US" sz="1200" dirty="0">
+                  <a:solidFill>
+                    <a:schemeClr val="bg1"/>
+                  </a:solidFill>
+                  <a:latin typeface="標楷體" panose="03000509000000000000" pitchFamily="65" charset="-120"/>
+                  <a:cs typeface="Arial" pitchFamily="34" charset="0"/>
+                </a:endParaRPr>
+              </a:p>
+            </p:txBody>
+          </p:sp>
+        </p:grpSp>
+        <p:sp>
+          <p:nvSpPr>
+            <p:cNvPr id="28" name="TextBox 27">
+              <a:extLst>
+                <a:ext uri="{FF2B5EF4-FFF2-40B4-BE49-F238E27FC236}">
+                  <a16:creationId xmlns:a16="http://schemas.microsoft.com/office/drawing/2014/main" id="{F296881E-F221-44B9-B422-D96243D92252}"/>
+                </a:ext>
+              </a:extLst>
+            </p:cNvPr>
+            <p:cNvSpPr txBox="1"/>
+            <p:nvPr/>
+          </p:nvSpPr>
+          <p:spPr>
+            <a:xfrm>
+              <a:off x="610359" y="1897440"/>
+              <a:ext cx="1642816" cy="1569660"/>
+            </a:xfrm>
+            <a:prstGeom prst="rect">
+              <a:avLst/>
+            </a:prstGeom>
+            <a:noFill/>
+          </p:spPr>
+          <p:txBody>
+            <a:bodyPr wrap="square" lIns="108000" rIns="108000" rtlCol="0">
+              <a:spAutoFit/>
+            </a:bodyPr>
+            <a:lstStyle/>
+            <a:p>
+              <a:pPr algn="r"/>
+              <a:r>
+                <a:rPr lang="en-US" altLang="ko-KR" sz="9600" b="1" dirty="0" smtClean="0">
+                  <a:solidFill>
+                    <a:schemeClr val="bg1"/>
+                  </a:solidFill>
+                  <a:cs typeface="Arial" pitchFamily="34" charset="0"/>
+                </a:rPr>
+                <a:t>0</a:t>
+              </a:r>
+              <a:r>
+                <a:rPr lang="en-US" altLang="zh-TW" sz="9600" b="1" dirty="0" smtClean="0">
+                  <a:solidFill>
+                    <a:schemeClr val="bg1"/>
+                  </a:solidFill>
+                  <a:cs typeface="Arial" pitchFamily="34" charset="0"/>
+                </a:rPr>
+                <a:t>7</a:t>
+              </a:r>
+              <a:endParaRPr lang="ko-KR" altLang="en-US" sz="9600" b="1" dirty="0">
+                <a:solidFill>
+                  <a:schemeClr val="bg1"/>
+                </a:solidFill>
+                <a:cs typeface="Arial" pitchFamily="34" charset="0"/>
+              </a:endParaRPr>
+            </a:p>
+          </p:txBody>
+        </p:sp>
+      </p:grpSp>
+    </p:spTree>
+    <p:extLst>
+      <p:ext uri="{BB962C8B-B14F-4D97-AF65-F5344CB8AC3E}">
+        <p14:creationId xmlns:p14="http://schemas.microsoft.com/office/powerpoint/2010/main" val="1090399944"/>
+      </p:ext>
+    </p:extLst>
+  </p:cSld>
+  <p:clrMapOvr>
+    <a:masterClrMapping/>
+  </p:clrMapOvr>
+  <p:timing>
+    <p:tnLst>
+      <p:par>
+        <p:cTn id="1" dur="indefinite" restart="never" nodeType="tmRoot"/>
+      </p:par>
+    </p:tnLst>
+  </p:timing>
+</p:sld>
+</file>
+
+<file path=ppt/slides/slide15.xml><?xml version="1.0" encoding="utf-8"?>
 <p:sld xmlns:a="http://schemas.openxmlformats.org/drawingml/2006/main" xmlns:r="http://schemas.openxmlformats.org/officeDocument/2006/relationships" xmlns:p="http://schemas.openxmlformats.org/presentationml/2006/main">
   <p:cSld>
     <p:spTree>
@@ -10927,1549 +13283,6 @@
     <p:extLst>
       <p:ext uri="{BB962C8B-B14F-4D97-AF65-F5344CB8AC3E}">
         <p14:creationId xmlns:p14="http://schemas.microsoft.com/office/powerpoint/2010/main" val="821656516"/>
-      </p:ext>
-    </p:extLst>
-  </p:cSld>
-  <p:clrMapOvr>
-    <a:masterClrMapping/>
-  </p:clrMapOvr>
-  <p:timing>
-    <p:tnLst>
-      <p:par>
-        <p:cTn id="1" dur="indefinite" restart="never" nodeType="tmRoot"/>
-      </p:par>
-    </p:tnLst>
-  </p:timing>
-</p:sld>
-</file>
-
-<file path=ppt/slides/slide14.xml><?xml version="1.0" encoding="utf-8"?>
-<p:sld xmlns:a="http://schemas.openxmlformats.org/drawingml/2006/main" xmlns:r="http://schemas.openxmlformats.org/officeDocument/2006/relationships" xmlns:p="http://schemas.openxmlformats.org/presentationml/2006/main">
-  <p:cSld>
-    <p:spTree>
-      <p:nvGrpSpPr>
-        <p:cNvPr id="1" name=""/>
-        <p:cNvGrpSpPr/>
-        <p:nvPr/>
-      </p:nvGrpSpPr>
-      <p:grpSpPr>
-        <a:xfrm>
-          <a:off x="0" y="0"/>
-          <a:ext cx="0" cy="0"/>
-          <a:chOff x="0" y="0"/>
-          <a:chExt cx="0" cy="0"/>
-        </a:xfrm>
-      </p:grpSpPr>
-      <p:sp>
-        <p:nvSpPr>
-          <p:cNvPr id="4" name="TextBox 3">
-            <a:extLst>
-              <a:ext uri="{FF2B5EF4-FFF2-40B4-BE49-F238E27FC236}">
-                <a16:creationId xmlns:a16="http://schemas.microsoft.com/office/drawing/2014/main" id="{E84ECA11-3956-4F84-BFF1-3464538625A5}"/>
-              </a:ext>
-            </a:extLst>
-          </p:cNvPr>
-          <p:cNvSpPr txBox="1"/>
-          <p:nvPr/>
-        </p:nvSpPr>
-        <p:spPr>
-          <a:xfrm>
-            <a:off x="553044" y="643219"/>
-            <a:ext cx="5220740" cy="1569660"/>
-          </a:xfrm>
-          <a:prstGeom prst="rect">
-            <a:avLst/>
-          </a:prstGeom>
-          <a:noFill/>
-        </p:spPr>
-        <p:txBody>
-          <a:bodyPr wrap="square" rtlCol="0" anchor="ctr">
-            <a:spAutoFit/>
-          </a:bodyPr>
-          <a:lstStyle/>
-          <a:p>
-            <a:r>
-              <a:rPr lang="en-US" altLang="ko-KR" sz="4800" b="1" dirty="0">
-                <a:solidFill>
-                  <a:schemeClr val="tx1">
-                    <a:lumMod val="75000"/>
-                    <a:lumOff val="25000"/>
-                  </a:schemeClr>
-                </a:solidFill>
-                <a:cs typeface="Arial" pitchFamily="34" charset="0"/>
-              </a:rPr>
-              <a:t>AWESOME</a:t>
-            </a:r>
-          </a:p>
-          <a:p>
-            <a:r>
-              <a:rPr lang="en-GB" altLang="ko-KR" sz="4800" b="1" dirty="0">
-                <a:solidFill>
-                  <a:schemeClr val="tx1">
-                    <a:lumMod val="75000"/>
-                    <a:lumOff val="25000"/>
-                  </a:schemeClr>
-                </a:solidFill>
-                <a:cs typeface="Arial" pitchFamily="34" charset="0"/>
-              </a:rPr>
-              <a:t>PRESENTATION</a:t>
-            </a:r>
-            <a:endParaRPr lang="ko-KR" altLang="en-US" sz="4800" b="1" dirty="0">
-              <a:solidFill>
-                <a:schemeClr val="tx1">
-                  <a:lumMod val="75000"/>
-                  <a:lumOff val="25000"/>
-                </a:schemeClr>
-              </a:solidFill>
-              <a:cs typeface="Arial" pitchFamily="34" charset="0"/>
-            </a:endParaRPr>
-          </a:p>
-        </p:txBody>
-      </p:sp>
-      <p:sp>
-        <p:nvSpPr>
-          <p:cNvPr id="5" name="TextBox 4">
-            <a:extLst>
-              <a:ext uri="{FF2B5EF4-FFF2-40B4-BE49-F238E27FC236}">
-                <a16:creationId xmlns:a16="http://schemas.microsoft.com/office/drawing/2014/main" id="{B8F4F013-3FD8-4CF8-9639-4099B33C6F5D}"/>
-              </a:ext>
-            </a:extLst>
-          </p:cNvPr>
-          <p:cNvSpPr txBox="1"/>
-          <p:nvPr/>
-        </p:nvSpPr>
-        <p:spPr>
-          <a:xfrm>
-            <a:off x="620588" y="2152821"/>
-            <a:ext cx="5153196" cy="738664"/>
-          </a:xfrm>
-          <a:prstGeom prst="rect">
-            <a:avLst/>
-          </a:prstGeom>
-          <a:noFill/>
-        </p:spPr>
-        <p:txBody>
-          <a:bodyPr wrap="square" lIns="36000" tIns="0" rIns="36000" bIns="0" rtlCol="0" anchor="ctr">
-            <a:spAutoFit/>
-          </a:bodyPr>
-          <a:lstStyle/>
-          <a:p>
-            <a:r>
-              <a:rPr lang="en-US" altLang="ko-KR" sz="2400" dirty="0">
-                <a:solidFill>
-                  <a:schemeClr val="tx1">
-                    <a:lumMod val="75000"/>
-                    <a:lumOff val="25000"/>
-                  </a:schemeClr>
-                </a:solidFill>
-              </a:rPr>
-              <a:t>We Create Quality </a:t>
-            </a:r>
-          </a:p>
-          <a:p>
-            <a:r>
-              <a:rPr lang="en-US" altLang="ko-KR" sz="2400" dirty="0">
-                <a:solidFill>
-                  <a:schemeClr val="tx1">
-                    <a:lumMod val="75000"/>
-                    <a:lumOff val="25000"/>
-                  </a:schemeClr>
-                </a:solidFill>
-              </a:rPr>
-              <a:t>Professional PPT Presentation</a:t>
-            </a:r>
-            <a:endParaRPr lang="ko-KR" altLang="en-US" sz="2400" dirty="0">
-              <a:solidFill>
-                <a:schemeClr val="tx1">
-                  <a:lumMod val="75000"/>
-                  <a:lumOff val="25000"/>
-                </a:schemeClr>
-              </a:solidFill>
-            </a:endParaRPr>
-          </a:p>
-        </p:txBody>
-      </p:sp>
-      <p:sp>
-        <p:nvSpPr>
-          <p:cNvPr id="6" name="TextBox 5">
-            <a:extLst>
-              <a:ext uri="{FF2B5EF4-FFF2-40B4-BE49-F238E27FC236}">
-                <a16:creationId xmlns:a16="http://schemas.microsoft.com/office/drawing/2014/main" id="{D5741558-6C6A-41CA-A0C6-04D866149357}"/>
-              </a:ext>
-            </a:extLst>
-          </p:cNvPr>
-          <p:cNvSpPr txBox="1"/>
-          <p:nvPr/>
-        </p:nvSpPr>
-        <p:spPr>
-          <a:xfrm>
-            <a:off x="620587" y="337063"/>
-            <a:ext cx="5153195" cy="338554"/>
-          </a:xfrm>
-          <a:prstGeom prst="rect">
-            <a:avLst/>
-          </a:prstGeom>
-          <a:noFill/>
-        </p:spPr>
-        <p:txBody>
-          <a:bodyPr wrap="square" rtlCol="0">
-            <a:spAutoFit/>
-          </a:bodyPr>
-          <a:lstStyle/>
-          <a:p>
-            <a:r>
-              <a:rPr lang="en-US" altLang="ko-KR" sz="1600" b="1" dirty="0">
-                <a:solidFill>
-                  <a:schemeClr val="tx1">
-                    <a:lumMod val="75000"/>
-                    <a:lumOff val="25000"/>
-                  </a:schemeClr>
-                </a:solidFill>
-              </a:rPr>
-              <a:t>Modern Portfolio Designed</a:t>
-            </a:r>
-          </a:p>
-        </p:txBody>
-      </p:sp>
-      <p:sp>
-        <p:nvSpPr>
-          <p:cNvPr id="7" name="TextBox 6">
-            <a:extLst>
-              <a:ext uri="{FF2B5EF4-FFF2-40B4-BE49-F238E27FC236}">
-                <a16:creationId xmlns:a16="http://schemas.microsoft.com/office/drawing/2014/main" id="{BF9188B6-5E25-461A-8EE1-D358B28AD9C6}"/>
-              </a:ext>
-            </a:extLst>
-          </p:cNvPr>
-          <p:cNvSpPr txBox="1"/>
-          <p:nvPr/>
-        </p:nvSpPr>
-        <p:spPr>
-          <a:xfrm>
-            <a:off x="7293031" y="2212879"/>
-            <a:ext cx="2355793" cy="1938992"/>
-          </a:xfrm>
-          <a:prstGeom prst="rect">
-            <a:avLst/>
-          </a:prstGeom>
-          <a:noFill/>
-        </p:spPr>
-        <p:txBody>
-          <a:bodyPr wrap="square" rtlCol="0" anchor="ctr">
-            <a:spAutoFit/>
-          </a:bodyPr>
-          <a:lstStyle/>
-          <a:p>
-            <a:pPr algn="l"/>
-            <a:r>
-              <a:rPr lang="en-GB" altLang="ko-KR" sz="2400" b="1" dirty="0">
-                <a:solidFill>
-                  <a:schemeClr val="tx1">
-                    <a:lumMod val="75000"/>
-                    <a:lumOff val="25000"/>
-                  </a:schemeClr>
-                </a:solidFill>
-                <a:cs typeface="Arial" pitchFamily="34" charset="0"/>
-              </a:rPr>
-              <a:t>ALLPPT Layout</a:t>
-            </a:r>
-          </a:p>
-          <a:p>
-            <a:pPr algn="l"/>
-            <a:r>
-              <a:rPr lang="en-GB" altLang="ko-KR" sz="2400" dirty="0">
-                <a:solidFill>
-                  <a:schemeClr val="accent3"/>
-                </a:solidFill>
-                <a:cs typeface="Arial" pitchFamily="34" charset="0"/>
-              </a:rPr>
-              <a:t>Clean Text Slide for your Presentation</a:t>
-            </a:r>
-            <a:endParaRPr lang="ko-KR" altLang="en-US" sz="2400" dirty="0">
-              <a:solidFill>
-                <a:schemeClr val="accent3"/>
-              </a:solidFill>
-              <a:cs typeface="Arial" pitchFamily="34" charset="0"/>
-            </a:endParaRPr>
-          </a:p>
-        </p:txBody>
-      </p:sp>
-      <p:grpSp>
-        <p:nvGrpSpPr>
-          <p:cNvPr id="8" name="Group 18">
-            <a:extLst>
-              <a:ext uri="{FF2B5EF4-FFF2-40B4-BE49-F238E27FC236}">
-                <a16:creationId xmlns:a16="http://schemas.microsoft.com/office/drawing/2014/main" id="{61B6CD7B-16A3-4475-BDEB-A1EFA55CF1E2}"/>
-              </a:ext>
-            </a:extLst>
-          </p:cNvPr>
-          <p:cNvGrpSpPr/>
-          <p:nvPr/>
-        </p:nvGrpSpPr>
-        <p:grpSpPr>
-          <a:xfrm>
-            <a:off x="7057900" y="4501985"/>
-            <a:ext cx="3819106" cy="2005900"/>
-            <a:chOff x="4822352" y="1840632"/>
-            <a:chExt cx="3422056" cy="2005900"/>
-          </a:xfrm>
-        </p:grpSpPr>
-        <p:sp>
-          <p:nvSpPr>
-            <p:cNvPr id="9" name="Text Placeholder 10">
-              <a:extLst>
-                <a:ext uri="{FF2B5EF4-FFF2-40B4-BE49-F238E27FC236}">
-                  <a16:creationId xmlns:a16="http://schemas.microsoft.com/office/drawing/2014/main" id="{3B63315E-33AE-4169-B479-52CF800D470B}"/>
-                </a:ext>
-              </a:extLst>
-            </p:cNvPr>
-            <p:cNvSpPr txBox="1">
-              <a:spLocks/>
-            </p:cNvSpPr>
-            <p:nvPr/>
-          </p:nvSpPr>
-          <p:spPr>
-            <a:xfrm>
-              <a:off x="4822352" y="1840632"/>
-              <a:ext cx="3422056" cy="360040"/>
-            </a:xfrm>
-            <a:prstGeom prst="rect">
-              <a:avLst/>
-            </a:prstGeom>
-            <a:noFill/>
-          </p:spPr>
-          <p:txBody>
-            <a:bodyPr anchor="ctr"/>
-            <a:lstStyle>
-              <a:lvl1pPr marL="342900" indent="-342900" algn="l" defTabSz="914400" rtl="0" eaLnBrk="1" latinLnBrk="1" hangingPunct="1">
-                <a:spcBef>
-                  <a:spcPct val="20000"/>
-                </a:spcBef>
-                <a:buFont typeface="Arial" pitchFamily="34" charset="0"/>
-                <a:buChar char="•"/>
-                <a:defRPr sz="3200" kern="1200">
-                  <a:solidFill>
-                    <a:schemeClr val="tx1"/>
-                  </a:solidFill>
-                  <a:latin typeface="+mn-lt"/>
-                  <a:ea typeface="+mn-ea"/>
-                  <a:cs typeface="+mn-cs"/>
-                </a:defRPr>
-              </a:lvl1pPr>
-              <a:lvl2pPr marL="742950" indent="-285750" algn="l" defTabSz="914400" rtl="0" eaLnBrk="1" latinLnBrk="1" hangingPunct="1">
-                <a:spcBef>
-                  <a:spcPct val="20000"/>
-                </a:spcBef>
-                <a:buFont typeface="Arial" pitchFamily="34" charset="0"/>
-                <a:buChar char="–"/>
-                <a:defRPr sz="2800" kern="1200">
-                  <a:solidFill>
-                    <a:schemeClr val="tx1"/>
-                  </a:solidFill>
-                  <a:latin typeface="+mn-lt"/>
-                  <a:ea typeface="+mn-ea"/>
-                  <a:cs typeface="+mn-cs"/>
-                </a:defRPr>
-              </a:lvl2pPr>
-              <a:lvl3pPr marL="1143000" indent="-228600" algn="l" defTabSz="914400" rtl="0" eaLnBrk="1" latinLnBrk="1" hangingPunct="1">
-                <a:spcBef>
-                  <a:spcPct val="20000"/>
-                </a:spcBef>
-                <a:buFont typeface="Arial" pitchFamily="34" charset="0"/>
-                <a:buChar char="•"/>
-                <a:defRPr sz="2400" kern="1200">
-                  <a:solidFill>
-                    <a:schemeClr val="tx1"/>
-                  </a:solidFill>
-                  <a:latin typeface="+mn-lt"/>
-                  <a:ea typeface="+mn-ea"/>
-                  <a:cs typeface="+mn-cs"/>
-                </a:defRPr>
-              </a:lvl3pPr>
-              <a:lvl4pPr marL="1600200" indent="-228600" algn="l" defTabSz="914400" rtl="0" eaLnBrk="1" latinLnBrk="1" hangingPunct="1">
-                <a:spcBef>
-                  <a:spcPct val="20000"/>
-                </a:spcBef>
-                <a:buFont typeface="Arial" pitchFamily="34" charset="0"/>
-                <a:buChar char="–"/>
-                <a:defRPr sz="2000" kern="1200">
-                  <a:solidFill>
-                    <a:schemeClr val="tx1"/>
-                  </a:solidFill>
-                  <a:latin typeface="+mn-lt"/>
-                  <a:ea typeface="+mn-ea"/>
-                  <a:cs typeface="+mn-cs"/>
-                </a:defRPr>
-              </a:lvl4pPr>
-              <a:lvl5pPr marL="2057400" indent="-228600" algn="l" defTabSz="914400" rtl="0" eaLnBrk="1" latinLnBrk="1" hangingPunct="1">
-                <a:spcBef>
-                  <a:spcPct val="20000"/>
-                </a:spcBef>
-                <a:buFont typeface="Arial" pitchFamily="34" charset="0"/>
-                <a:buChar char="»"/>
-                <a:defRPr sz="2000" kern="1200">
-                  <a:solidFill>
-                    <a:schemeClr val="tx1"/>
-                  </a:solidFill>
-                  <a:latin typeface="+mn-lt"/>
-                  <a:ea typeface="+mn-ea"/>
-                  <a:cs typeface="+mn-cs"/>
-                </a:defRPr>
-              </a:lvl5pPr>
-              <a:lvl6pPr marL="2514600" indent="-228600" algn="l" defTabSz="914400" rtl="0" eaLnBrk="1" latinLnBrk="1" hangingPunct="1">
-                <a:spcBef>
-                  <a:spcPct val="20000"/>
-                </a:spcBef>
-                <a:buFont typeface="Arial" pitchFamily="34" charset="0"/>
-                <a:buChar char="•"/>
-                <a:defRPr sz="2000" kern="1200">
-                  <a:solidFill>
-                    <a:schemeClr val="tx1"/>
-                  </a:solidFill>
-                  <a:latin typeface="+mn-lt"/>
-                  <a:ea typeface="+mn-ea"/>
-                  <a:cs typeface="+mn-cs"/>
-                </a:defRPr>
-              </a:lvl6pPr>
-              <a:lvl7pPr marL="2971800" indent="-228600" algn="l" defTabSz="914400" rtl="0" eaLnBrk="1" latinLnBrk="1" hangingPunct="1">
-                <a:spcBef>
-                  <a:spcPct val="20000"/>
-                </a:spcBef>
-                <a:buFont typeface="Arial" pitchFamily="34" charset="0"/>
-                <a:buChar char="•"/>
-                <a:defRPr sz="2000" kern="1200">
-                  <a:solidFill>
-                    <a:schemeClr val="tx1"/>
-                  </a:solidFill>
-                  <a:latin typeface="+mn-lt"/>
-                  <a:ea typeface="+mn-ea"/>
-                  <a:cs typeface="+mn-cs"/>
-                </a:defRPr>
-              </a:lvl7pPr>
-              <a:lvl8pPr marL="3429000" indent="-228600" algn="l" defTabSz="914400" rtl="0" eaLnBrk="1" latinLnBrk="1" hangingPunct="1">
-                <a:spcBef>
-                  <a:spcPct val="20000"/>
-                </a:spcBef>
-                <a:buFont typeface="Arial" pitchFamily="34" charset="0"/>
-                <a:buChar char="•"/>
-                <a:defRPr sz="2000" kern="1200">
-                  <a:solidFill>
-                    <a:schemeClr val="tx1"/>
-                  </a:solidFill>
-                  <a:latin typeface="+mn-lt"/>
-                  <a:ea typeface="+mn-ea"/>
-                  <a:cs typeface="+mn-cs"/>
-                </a:defRPr>
-              </a:lvl8pPr>
-              <a:lvl9pPr marL="3886200" indent="-228600" algn="l" defTabSz="914400" rtl="0" eaLnBrk="1" latinLnBrk="1" hangingPunct="1">
-                <a:spcBef>
-                  <a:spcPct val="20000"/>
-                </a:spcBef>
-                <a:buFont typeface="Arial" pitchFamily="34" charset="0"/>
-                <a:buChar char="•"/>
-                <a:defRPr sz="2000" kern="1200">
-                  <a:solidFill>
-                    <a:schemeClr val="tx1"/>
-                  </a:solidFill>
-                  <a:latin typeface="+mn-lt"/>
-                  <a:ea typeface="+mn-ea"/>
-                  <a:cs typeface="+mn-cs"/>
-                </a:defRPr>
-              </a:lvl9pPr>
-            </a:lstStyle>
-            <a:p>
-              <a:pPr marL="0" indent="0">
-                <a:lnSpc>
-                  <a:spcPct val="110000"/>
-                </a:lnSpc>
-                <a:buNone/>
-              </a:pPr>
-              <a:r>
-                <a:rPr lang="en-US" altLang="ko-KR" sz="2800" b="1" dirty="0">
-                  <a:solidFill>
-                    <a:schemeClr val="accent3"/>
-                  </a:solidFill>
-                  <a:cs typeface="Arial" pitchFamily="34" charset="0"/>
-                </a:rPr>
-                <a:t>Portfolio  Designed</a:t>
-              </a:r>
-            </a:p>
-          </p:txBody>
-        </p:sp>
-        <p:sp>
-          <p:nvSpPr>
-            <p:cNvPr id="10" name="TextBox 9">
-              <a:extLst>
-                <a:ext uri="{FF2B5EF4-FFF2-40B4-BE49-F238E27FC236}">
-                  <a16:creationId xmlns:a16="http://schemas.microsoft.com/office/drawing/2014/main" id="{F1962B44-F8A4-486C-83B2-8432DAE2C9BF}"/>
-                </a:ext>
-              </a:extLst>
-            </p:cNvPr>
-            <p:cNvSpPr txBox="1"/>
-            <p:nvPr/>
-          </p:nvSpPr>
-          <p:spPr>
-            <a:xfrm>
-              <a:off x="4822352" y="2276872"/>
-              <a:ext cx="3422056" cy="1569660"/>
-            </a:xfrm>
-            <a:prstGeom prst="rect">
-              <a:avLst/>
-            </a:prstGeom>
-            <a:noFill/>
-          </p:spPr>
-          <p:txBody>
-            <a:bodyPr wrap="square" rtlCol="0">
-              <a:spAutoFit/>
-            </a:bodyPr>
-            <a:lstStyle/>
-            <a:p>
-              <a:r>
-                <a:rPr lang="en-US" altLang="ko-KR" sz="1200" dirty="0">
-                  <a:solidFill>
-                    <a:schemeClr val="tx1">
-                      <a:lumMod val="75000"/>
-                      <a:lumOff val="25000"/>
-                    </a:schemeClr>
-                  </a:solidFill>
-                  <a:cs typeface="Arial" pitchFamily="34" charset="0"/>
-                </a:rPr>
-                <a:t>You can simply impress your audience and add a unique zing and appeal to your Presentations. I hope and I believe that this Template will your Time, Money and Reputation. Get a modern PowerPoint  Presentation that is beautifully designed.</a:t>
-              </a:r>
-            </a:p>
-            <a:p>
-              <a:endParaRPr lang="en-US" altLang="ko-KR" sz="1200" dirty="0">
-                <a:solidFill>
-                  <a:schemeClr val="tx1">
-                    <a:lumMod val="75000"/>
-                    <a:lumOff val="25000"/>
-                  </a:schemeClr>
-                </a:solidFill>
-                <a:cs typeface="Arial" pitchFamily="34" charset="0"/>
-              </a:endParaRPr>
-            </a:p>
-            <a:p>
-              <a:r>
-                <a:rPr lang="en-US" altLang="ko-KR" sz="1200" dirty="0">
-                  <a:solidFill>
-                    <a:schemeClr val="tx1">
-                      <a:lumMod val="75000"/>
-                      <a:lumOff val="25000"/>
-                    </a:schemeClr>
-                  </a:solidFill>
-                  <a:cs typeface="Arial" pitchFamily="34" charset="0"/>
-                </a:rPr>
-                <a:t>Get a modern PowerPoint  Presentation that is beautifully designed.  </a:t>
-              </a:r>
-              <a:r>
-                <a:rPr lang="ko-KR" altLang="en-US" sz="1200" dirty="0">
-                  <a:solidFill>
-                    <a:schemeClr val="tx1">
-                      <a:lumMod val="75000"/>
-                      <a:lumOff val="25000"/>
-                    </a:schemeClr>
-                  </a:solidFill>
-                  <a:cs typeface="Arial" pitchFamily="34" charset="0"/>
-                </a:rPr>
-                <a:t>        </a:t>
-              </a:r>
-            </a:p>
-          </p:txBody>
-        </p:sp>
-      </p:grpSp>
-    </p:spTree>
-    <p:extLst>
-      <p:ext uri="{BB962C8B-B14F-4D97-AF65-F5344CB8AC3E}">
-        <p14:creationId xmlns:p14="http://schemas.microsoft.com/office/powerpoint/2010/main" val="3883369230"/>
-      </p:ext>
-    </p:extLst>
-  </p:cSld>
-  <p:clrMapOvr>
-    <a:masterClrMapping/>
-  </p:clrMapOvr>
-</p:sld>
-</file>
-
-<file path=ppt/slides/slide15.xml><?xml version="1.0" encoding="utf-8"?>
-<p:sld xmlns:a="http://schemas.openxmlformats.org/drawingml/2006/main" xmlns:r="http://schemas.openxmlformats.org/officeDocument/2006/relationships" xmlns:p="http://schemas.openxmlformats.org/presentationml/2006/main">
-  <p:cSld>
-    <p:spTree>
-      <p:nvGrpSpPr>
-        <p:cNvPr id="1" name=""/>
-        <p:cNvGrpSpPr/>
-        <p:nvPr/>
-      </p:nvGrpSpPr>
-      <p:grpSpPr>
-        <a:xfrm>
-          <a:off x="0" y="0"/>
-          <a:ext cx="0" cy="0"/>
-          <a:chOff x="0" y="0"/>
-          <a:chExt cx="0" cy="0"/>
-        </a:xfrm>
-      </p:grpSpPr>
-      <p:sp>
-        <p:nvSpPr>
-          <p:cNvPr id="3" name="TextBox 2">
-            <a:extLst>
-              <a:ext uri="{FF2B5EF4-FFF2-40B4-BE49-F238E27FC236}">
-                <a16:creationId xmlns:a16="http://schemas.microsoft.com/office/drawing/2014/main" id="{EFDDFE08-D1A3-4890-B395-3D514078D9E9}"/>
-              </a:ext>
-            </a:extLst>
-          </p:cNvPr>
-          <p:cNvSpPr txBox="1"/>
-          <p:nvPr/>
-        </p:nvSpPr>
-        <p:spPr>
-          <a:xfrm>
-            <a:off x="0" y="155259"/>
-            <a:ext cx="12192000" cy="923330"/>
-          </a:xfrm>
-          <a:prstGeom prst="rect">
-            <a:avLst/>
-          </a:prstGeom>
-          <a:noFill/>
-        </p:spPr>
-        <p:txBody>
-          <a:bodyPr wrap="square" rtlCol="0" anchor="ctr">
-            <a:spAutoFit/>
-          </a:bodyPr>
-          <a:lstStyle/>
-          <a:p>
-            <a:pPr algn="ctr"/>
-            <a:r>
-              <a:rPr lang="en-US" altLang="ko-KR" sz="5400" dirty="0">
-                <a:solidFill>
-                  <a:schemeClr val="bg1"/>
-                </a:solidFill>
-                <a:latin typeface="+mj-lt"/>
-                <a:cs typeface="Arial" pitchFamily="34" charset="0"/>
-              </a:rPr>
-              <a:t>Columns  Style</a:t>
-            </a:r>
-            <a:endParaRPr lang="ko-KR" altLang="en-US" sz="5400" dirty="0">
-              <a:solidFill>
-                <a:schemeClr val="bg1"/>
-              </a:solidFill>
-              <a:latin typeface="+mj-lt"/>
-              <a:cs typeface="Arial" pitchFamily="34" charset="0"/>
-            </a:endParaRPr>
-          </a:p>
-        </p:txBody>
-      </p:sp>
-      <p:sp>
-        <p:nvSpPr>
-          <p:cNvPr id="5" name="TextBox 4">
-            <a:extLst>
-              <a:ext uri="{FF2B5EF4-FFF2-40B4-BE49-F238E27FC236}">
-                <a16:creationId xmlns:a16="http://schemas.microsoft.com/office/drawing/2014/main" id="{1BB4FB60-8C2B-4F52-A9C3-6EED34C61048}"/>
-              </a:ext>
-            </a:extLst>
-          </p:cNvPr>
-          <p:cNvSpPr txBox="1"/>
-          <p:nvPr/>
-        </p:nvSpPr>
-        <p:spPr>
-          <a:xfrm>
-            <a:off x="856572" y="1809985"/>
-            <a:ext cx="2078218" cy="3539430"/>
-          </a:xfrm>
-          <a:prstGeom prst="rect">
-            <a:avLst/>
-          </a:prstGeom>
-          <a:noFill/>
-        </p:spPr>
-        <p:txBody>
-          <a:bodyPr wrap="square" rtlCol="0">
-            <a:spAutoFit/>
-          </a:bodyPr>
-          <a:lstStyle/>
-          <a:p>
-            <a:r>
-              <a:rPr lang="en-US" altLang="ko-KR" sz="1400" b="1" dirty="0">
-                <a:solidFill>
-                  <a:schemeClr val="bg1"/>
-                </a:solidFill>
-                <a:cs typeface="Arial" pitchFamily="34" charset="0"/>
-              </a:rPr>
-              <a:t>You can simply impress your audience and add a unique zing and appeal to your Presentations. I hope and I believe that this Template will your Time, Money and Reputation. Easy to change colors, photos and Text. I hope and I believe that this Template will your Time, Money and Reputation. </a:t>
-            </a:r>
-            <a:endParaRPr lang="ko-KR" altLang="en-US" sz="1400" b="1" dirty="0">
-              <a:solidFill>
-                <a:schemeClr val="bg1"/>
-              </a:solidFill>
-              <a:cs typeface="Arial" pitchFamily="34" charset="0"/>
-            </a:endParaRPr>
-          </a:p>
-        </p:txBody>
-      </p:sp>
-      <p:sp>
-        <p:nvSpPr>
-          <p:cNvPr id="7" name="Freeform: Shape 4">
-            <a:extLst>
-              <a:ext uri="{FF2B5EF4-FFF2-40B4-BE49-F238E27FC236}">
-                <a16:creationId xmlns:a16="http://schemas.microsoft.com/office/drawing/2014/main" id="{4101F6B4-66B6-4457-8045-D2C7E7849114}"/>
-              </a:ext>
-            </a:extLst>
-          </p:cNvPr>
-          <p:cNvSpPr/>
-          <p:nvPr/>
-        </p:nvSpPr>
-        <p:spPr>
-          <a:xfrm>
-            <a:off x="705972" y="1277390"/>
-            <a:ext cx="451691" cy="417752"/>
-          </a:xfrm>
-          <a:custGeom>
-            <a:avLst/>
-            <a:gdLst/>
-            <a:ahLst/>
-            <a:cxnLst/>
-            <a:rect l="l" t="t" r="r" b="b"/>
-            <a:pathLst>
-              <a:path w="152069" h="140643">
-                <a:moveTo>
-                  <a:pt x="139177" y="0"/>
-                </a:moveTo>
-                <a:lnTo>
-                  <a:pt x="152069" y="20510"/>
-                </a:lnTo>
-                <a:cubicBezTo>
-                  <a:pt x="141326" y="25003"/>
-                  <a:pt x="133415" y="31693"/>
-                  <a:pt x="128336" y="40581"/>
-                </a:cubicBezTo>
-                <a:cubicBezTo>
-                  <a:pt x="123257" y="49469"/>
-                  <a:pt x="120425" y="62410"/>
-                  <a:pt x="119839" y="79404"/>
-                </a:cubicBezTo>
-                <a:lnTo>
-                  <a:pt x="147381" y="79404"/>
-                </a:lnTo>
-                <a:lnTo>
-                  <a:pt x="147381" y="140643"/>
-                </a:lnTo>
-                <a:lnTo>
-                  <a:pt x="90831" y="140643"/>
-                </a:lnTo>
-                <a:lnTo>
-                  <a:pt x="90831" y="92297"/>
-                </a:lnTo>
-                <a:cubicBezTo>
-                  <a:pt x="90831" y="66122"/>
-                  <a:pt x="93957" y="47174"/>
-                  <a:pt x="100207" y="35454"/>
-                </a:cubicBezTo>
-                <a:cubicBezTo>
-                  <a:pt x="108412" y="19827"/>
-                  <a:pt x="121401" y="8009"/>
-                  <a:pt x="139177" y="0"/>
-                </a:cubicBezTo>
-                <a:close/>
-                <a:moveTo>
-                  <a:pt x="48345" y="0"/>
-                </a:moveTo>
-                <a:lnTo>
-                  <a:pt x="61238" y="20510"/>
-                </a:lnTo>
-                <a:cubicBezTo>
-                  <a:pt x="50494" y="25003"/>
-                  <a:pt x="42583" y="31693"/>
-                  <a:pt x="37504" y="40581"/>
-                </a:cubicBezTo>
-                <a:cubicBezTo>
-                  <a:pt x="32425" y="49469"/>
-                  <a:pt x="29593" y="62410"/>
-                  <a:pt x="29007" y="79404"/>
-                </a:cubicBezTo>
-                <a:lnTo>
-                  <a:pt x="56550" y="79404"/>
-                </a:lnTo>
-                <a:lnTo>
-                  <a:pt x="56550" y="140643"/>
-                </a:lnTo>
-                <a:lnTo>
-                  <a:pt x="0" y="140643"/>
-                </a:lnTo>
-                <a:lnTo>
-                  <a:pt x="0" y="92297"/>
-                </a:lnTo>
-                <a:cubicBezTo>
-                  <a:pt x="0" y="66122"/>
-                  <a:pt x="3125" y="47174"/>
-                  <a:pt x="9376" y="35454"/>
-                </a:cubicBezTo>
-                <a:cubicBezTo>
-                  <a:pt x="17580" y="19827"/>
-                  <a:pt x="30570" y="8009"/>
-                  <a:pt x="48345" y="0"/>
-                </a:cubicBezTo>
-                <a:close/>
-              </a:path>
-            </a:pathLst>
-          </a:custGeom>
-          <a:solidFill>
-            <a:schemeClr val="bg1"/>
-          </a:solidFill>
-          <a:ln>
-            <a:noFill/>
-          </a:ln>
-          <a:effectLst/>
-        </p:spPr>
-        <p:style>
-          <a:lnRef idx="2">
-            <a:schemeClr val="accent1">
-              <a:shade val="50000"/>
-            </a:schemeClr>
-          </a:lnRef>
-          <a:fillRef idx="1">
-            <a:schemeClr val="accent1"/>
-          </a:fillRef>
-          <a:effectRef idx="0">
-            <a:schemeClr val="accent1"/>
-          </a:effectRef>
-          <a:fontRef idx="minor">
-            <a:schemeClr val="lt1"/>
-          </a:fontRef>
-        </p:style>
-        <p:txBody>
-          <a:bodyPr rtlCol="0" anchor="ctr"/>
-          <a:lstStyle/>
-          <a:p>
-            <a:pPr algn="ctr"/>
-            <a:endParaRPr lang="en-US">
-              <a:solidFill>
-                <a:schemeClr val="bg1"/>
-              </a:solidFill>
-            </a:endParaRPr>
-          </a:p>
-        </p:txBody>
-      </p:sp>
-      <p:sp>
-        <p:nvSpPr>
-          <p:cNvPr id="8" name="Freeform: Shape 5">
-            <a:extLst>
-              <a:ext uri="{FF2B5EF4-FFF2-40B4-BE49-F238E27FC236}">
-                <a16:creationId xmlns:a16="http://schemas.microsoft.com/office/drawing/2014/main" id="{67CBE4BC-6B3E-46E9-8611-39AB0C1A01F8}"/>
-              </a:ext>
-            </a:extLst>
-          </p:cNvPr>
-          <p:cNvSpPr/>
-          <p:nvPr/>
-        </p:nvSpPr>
-        <p:spPr>
-          <a:xfrm rot="10800000">
-            <a:off x="2500518" y="5324738"/>
-            <a:ext cx="451691" cy="417752"/>
-          </a:xfrm>
-          <a:custGeom>
-            <a:avLst/>
-            <a:gdLst/>
-            <a:ahLst/>
-            <a:cxnLst/>
-            <a:rect l="l" t="t" r="r" b="b"/>
-            <a:pathLst>
-              <a:path w="152069" h="140643">
-                <a:moveTo>
-                  <a:pt x="139177" y="0"/>
-                </a:moveTo>
-                <a:lnTo>
-                  <a:pt x="152069" y="20510"/>
-                </a:lnTo>
-                <a:cubicBezTo>
-                  <a:pt x="141326" y="25003"/>
-                  <a:pt x="133415" y="31693"/>
-                  <a:pt x="128336" y="40581"/>
-                </a:cubicBezTo>
-                <a:cubicBezTo>
-                  <a:pt x="123257" y="49469"/>
-                  <a:pt x="120425" y="62410"/>
-                  <a:pt x="119839" y="79404"/>
-                </a:cubicBezTo>
-                <a:lnTo>
-                  <a:pt x="147381" y="79404"/>
-                </a:lnTo>
-                <a:lnTo>
-                  <a:pt x="147381" y="140643"/>
-                </a:lnTo>
-                <a:lnTo>
-                  <a:pt x="90831" y="140643"/>
-                </a:lnTo>
-                <a:lnTo>
-                  <a:pt x="90831" y="92297"/>
-                </a:lnTo>
-                <a:cubicBezTo>
-                  <a:pt x="90831" y="66122"/>
-                  <a:pt x="93957" y="47174"/>
-                  <a:pt x="100207" y="35454"/>
-                </a:cubicBezTo>
-                <a:cubicBezTo>
-                  <a:pt x="108412" y="19827"/>
-                  <a:pt x="121401" y="8009"/>
-                  <a:pt x="139177" y="0"/>
-                </a:cubicBezTo>
-                <a:close/>
-                <a:moveTo>
-                  <a:pt x="48345" y="0"/>
-                </a:moveTo>
-                <a:lnTo>
-                  <a:pt x="61238" y="20510"/>
-                </a:lnTo>
-                <a:cubicBezTo>
-                  <a:pt x="50494" y="25003"/>
-                  <a:pt x="42583" y="31693"/>
-                  <a:pt x="37504" y="40581"/>
-                </a:cubicBezTo>
-                <a:cubicBezTo>
-                  <a:pt x="32425" y="49469"/>
-                  <a:pt x="29593" y="62410"/>
-                  <a:pt x="29007" y="79404"/>
-                </a:cubicBezTo>
-                <a:lnTo>
-                  <a:pt x="56550" y="79404"/>
-                </a:lnTo>
-                <a:lnTo>
-                  <a:pt x="56550" y="140643"/>
-                </a:lnTo>
-                <a:lnTo>
-                  <a:pt x="0" y="140643"/>
-                </a:lnTo>
-                <a:lnTo>
-                  <a:pt x="0" y="92297"/>
-                </a:lnTo>
-                <a:cubicBezTo>
-                  <a:pt x="0" y="66122"/>
-                  <a:pt x="3125" y="47174"/>
-                  <a:pt x="9376" y="35454"/>
-                </a:cubicBezTo>
-                <a:cubicBezTo>
-                  <a:pt x="17580" y="19827"/>
-                  <a:pt x="30570" y="8009"/>
-                  <a:pt x="48345" y="0"/>
-                </a:cubicBezTo>
-                <a:close/>
-              </a:path>
-            </a:pathLst>
-          </a:custGeom>
-          <a:solidFill>
-            <a:schemeClr val="bg1"/>
-          </a:solidFill>
-          <a:ln>
-            <a:noFill/>
-          </a:ln>
-          <a:effectLst/>
-        </p:spPr>
-        <p:style>
-          <a:lnRef idx="2">
-            <a:schemeClr val="accent1">
-              <a:shade val="50000"/>
-            </a:schemeClr>
-          </a:lnRef>
-          <a:fillRef idx="1">
-            <a:schemeClr val="accent1"/>
-          </a:fillRef>
-          <a:effectRef idx="0">
-            <a:schemeClr val="accent1"/>
-          </a:effectRef>
-          <a:fontRef idx="minor">
-            <a:schemeClr val="lt1"/>
-          </a:fontRef>
-        </p:style>
-        <p:txBody>
-          <a:bodyPr rtlCol="0" anchor="ctr"/>
-          <a:lstStyle/>
-          <a:p>
-            <a:pPr algn="ctr"/>
-            <a:endParaRPr lang="en-US">
-              <a:solidFill>
-                <a:schemeClr val="bg1"/>
-              </a:solidFill>
-            </a:endParaRPr>
-          </a:p>
-        </p:txBody>
-      </p:sp>
-      <p:grpSp>
-        <p:nvGrpSpPr>
-          <p:cNvPr id="9" name="Group 1">
-            <a:extLst>
-              <a:ext uri="{FF2B5EF4-FFF2-40B4-BE49-F238E27FC236}">
-                <a16:creationId xmlns:a16="http://schemas.microsoft.com/office/drawing/2014/main" id="{B97266FE-69DA-4ED6-A7B7-F0100337A8CE}"/>
-              </a:ext>
-            </a:extLst>
-          </p:cNvPr>
-          <p:cNvGrpSpPr/>
-          <p:nvPr/>
-        </p:nvGrpSpPr>
-        <p:grpSpPr>
-          <a:xfrm>
-            <a:off x="6811014" y="1453369"/>
-            <a:ext cx="2078218" cy="4244679"/>
-            <a:chOff x="5263197" y="1854561"/>
-            <a:chExt cx="2078218" cy="4244679"/>
-          </a:xfrm>
-        </p:grpSpPr>
-        <p:grpSp>
-          <p:nvGrpSpPr>
-            <p:cNvPr id="10" name="Group 2">
-              <a:extLst>
-                <a:ext uri="{FF2B5EF4-FFF2-40B4-BE49-F238E27FC236}">
-                  <a16:creationId xmlns:a16="http://schemas.microsoft.com/office/drawing/2014/main" id="{A7EE6104-5C0A-4241-B98D-BB463A8B52DD}"/>
-                </a:ext>
-              </a:extLst>
-            </p:cNvPr>
-            <p:cNvGrpSpPr/>
-            <p:nvPr/>
-          </p:nvGrpSpPr>
-          <p:grpSpPr>
-            <a:xfrm>
-              <a:off x="5263197" y="2554677"/>
-              <a:ext cx="2078218" cy="3544563"/>
-              <a:chOff x="2227884" y="1330362"/>
-              <a:chExt cx="3253999" cy="3544563"/>
-            </a:xfrm>
-          </p:grpSpPr>
-          <p:sp>
-            <p:nvSpPr>
-              <p:cNvPr id="12" name="TextBox 11">
-                <a:extLst>
-                  <a:ext uri="{FF2B5EF4-FFF2-40B4-BE49-F238E27FC236}">
-                    <a16:creationId xmlns:a16="http://schemas.microsoft.com/office/drawing/2014/main" id="{EE8D4046-B0D7-4573-A27B-13D6CBF18482}"/>
-                  </a:ext>
-                </a:extLst>
-              </p:cNvPr>
-              <p:cNvSpPr txBox="1"/>
-              <p:nvPr/>
-            </p:nvSpPr>
-            <p:spPr>
-              <a:xfrm>
-                <a:off x="2227884" y="1827937"/>
-                <a:ext cx="3253999" cy="3046988"/>
-              </a:xfrm>
-              <a:prstGeom prst="rect">
-                <a:avLst/>
-              </a:prstGeom>
-              <a:noFill/>
-            </p:spPr>
-            <p:txBody>
-              <a:bodyPr wrap="square" rtlCol="0">
-                <a:spAutoFit/>
-              </a:bodyPr>
-              <a:lstStyle/>
-              <a:p>
-                <a:r>
-                  <a:rPr lang="en-US" altLang="ko-KR" sz="1200" dirty="0">
-                    <a:solidFill>
-                      <a:schemeClr val="bg1"/>
-                    </a:solidFill>
-                    <a:cs typeface="Arial" pitchFamily="34" charset="0"/>
-                  </a:rPr>
-                  <a:t>Easy to change colors, photos and Text. Get a modern PowerPoint  Presentation that is beautifully designed. I hope and I believe that this Template will your Time, Money and Reputation. Easy to change colors, photos and Text. Easy to change colors, photos and Text. </a:t>
-                </a:r>
-              </a:p>
-              <a:p>
-                <a:endParaRPr lang="en-US" altLang="ko-KR" sz="1200" dirty="0">
-                  <a:solidFill>
-                    <a:schemeClr val="bg1"/>
-                  </a:solidFill>
-                  <a:cs typeface="Arial" pitchFamily="34" charset="0"/>
-                </a:endParaRPr>
-              </a:p>
-              <a:p>
-                <a:r>
-                  <a:rPr lang="en-US" altLang="ko-KR" sz="1200" dirty="0">
-                    <a:solidFill>
-                      <a:schemeClr val="bg1"/>
-                    </a:solidFill>
-                    <a:cs typeface="Arial" pitchFamily="34" charset="0"/>
-                  </a:rPr>
-                  <a:t>Get a modern PowerPoint  Presentation that is beautifully designed. </a:t>
-                </a:r>
-              </a:p>
-            </p:txBody>
-          </p:sp>
-          <p:sp>
-            <p:nvSpPr>
-              <p:cNvPr id="13" name="TextBox 12">
-                <a:extLst>
-                  <a:ext uri="{FF2B5EF4-FFF2-40B4-BE49-F238E27FC236}">
-                    <a16:creationId xmlns:a16="http://schemas.microsoft.com/office/drawing/2014/main" id="{1ABC9FCA-35C2-4103-AD89-0C5EFE39F880}"/>
-                  </a:ext>
-                </a:extLst>
-              </p:cNvPr>
-              <p:cNvSpPr txBox="1"/>
-              <p:nvPr/>
-            </p:nvSpPr>
-            <p:spPr>
-              <a:xfrm>
-                <a:off x="2227884" y="1330362"/>
-                <a:ext cx="3253999" cy="461665"/>
-              </a:xfrm>
-              <a:prstGeom prst="rect">
-                <a:avLst/>
-              </a:prstGeom>
-              <a:noFill/>
-            </p:spPr>
-            <p:txBody>
-              <a:bodyPr wrap="square" rtlCol="0">
-                <a:spAutoFit/>
-              </a:bodyPr>
-              <a:lstStyle/>
-              <a:p>
-                <a:r>
-                  <a:rPr lang="en-US" altLang="ko-KR" sz="1200" b="1" dirty="0">
-                    <a:solidFill>
-                      <a:schemeClr val="bg1"/>
-                    </a:solidFill>
-                    <a:cs typeface="Arial" pitchFamily="34" charset="0"/>
-                  </a:rPr>
-                  <a:t>Easy to change colors, photos and Text.</a:t>
-                </a:r>
-                <a:endParaRPr lang="ko-KR" altLang="en-US" sz="1200" b="1" dirty="0">
-                  <a:solidFill>
-                    <a:schemeClr val="bg1"/>
-                  </a:solidFill>
-                  <a:cs typeface="Arial" pitchFamily="34" charset="0"/>
-                </a:endParaRPr>
-              </a:p>
-            </p:txBody>
-          </p:sp>
-        </p:grpSp>
-        <p:sp>
-          <p:nvSpPr>
-            <p:cNvPr id="11" name="TextBox 10">
-              <a:extLst>
-                <a:ext uri="{FF2B5EF4-FFF2-40B4-BE49-F238E27FC236}">
-                  <a16:creationId xmlns:a16="http://schemas.microsoft.com/office/drawing/2014/main" id="{52A95DBE-CED0-4429-86B0-A74A6CEA4EF0}"/>
-                </a:ext>
-              </a:extLst>
-            </p:cNvPr>
-            <p:cNvSpPr txBox="1"/>
-            <p:nvPr/>
-          </p:nvSpPr>
-          <p:spPr>
-            <a:xfrm>
-              <a:off x="5263197" y="1854561"/>
-              <a:ext cx="697627" cy="646331"/>
-            </a:xfrm>
-            <a:prstGeom prst="rect">
-              <a:avLst/>
-            </a:prstGeom>
-            <a:noFill/>
-          </p:spPr>
-          <p:txBody>
-            <a:bodyPr wrap="none" rtlCol="0">
-              <a:spAutoFit/>
-            </a:bodyPr>
-            <a:lstStyle/>
-            <a:p>
-              <a:r>
-                <a:rPr lang="en-US" altLang="ko-KR" sz="3600" b="1" dirty="0">
-                  <a:solidFill>
-                    <a:schemeClr val="bg1"/>
-                  </a:solidFill>
-                  <a:cs typeface="Arial" pitchFamily="34" charset="0"/>
-                </a:rPr>
-                <a:t>02</a:t>
-              </a:r>
-              <a:endParaRPr lang="ko-KR" altLang="en-US" sz="3600" b="1" dirty="0">
-                <a:solidFill>
-                  <a:schemeClr val="bg1"/>
-                </a:solidFill>
-                <a:cs typeface="Arial" pitchFamily="34" charset="0"/>
-              </a:endParaRPr>
-            </a:p>
-          </p:txBody>
-        </p:sp>
-      </p:grpSp>
-      <p:grpSp>
-        <p:nvGrpSpPr>
-          <p:cNvPr id="14" name="Group 6">
-            <a:extLst>
-              <a:ext uri="{FF2B5EF4-FFF2-40B4-BE49-F238E27FC236}">
-                <a16:creationId xmlns:a16="http://schemas.microsoft.com/office/drawing/2014/main" id="{5E0CCBC8-9BDF-4849-8B9E-10C773605654}"/>
-              </a:ext>
-            </a:extLst>
-          </p:cNvPr>
-          <p:cNvGrpSpPr/>
-          <p:nvPr/>
-        </p:nvGrpSpPr>
-        <p:grpSpPr>
-          <a:xfrm>
-            <a:off x="4364817" y="1453369"/>
-            <a:ext cx="2078218" cy="4244679"/>
-            <a:chOff x="3354985" y="1854561"/>
-            <a:chExt cx="2078218" cy="4244679"/>
-          </a:xfrm>
-        </p:grpSpPr>
-        <p:sp>
-          <p:nvSpPr>
-            <p:cNvPr id="15" name="TextBox 14">
-              <a:extLst>
-                <a:ext uri="{FF2B5EF4-FFF2-40B4-BE49-F238E27FC236}">
-                  <a16:creationId xmlns:a16="http://schemas.microsoft.com/office/drawing/2014/main" id="{4B33C23F-7D4C-493B-B761-D2750E645462}"/>
-                </a:ext>
-              </a:extLst>
-            </p:cNvPr>
-            <p:cNvSpPr txBox="1"/>
-            <p:nvPr/>
-          </p:nvSpPr>
-          <p:spPr>
-            <a:xfrm>
-              <a:off x="3354985" y="1854561"/>
-              <a:ext cx="697627" cy="646331"/>
-            </a:xfrm>
-            <a:prstGeom prst="rect">
-              <a:avLst/>
-            </a:prstGeom>
-            <a:noFill/>
-          </p:spPr>
-          <p:txBody>
-            <a:bodyPr wrap="none" rtlCol="0">
-              <a:spAutoFit/>
-            </a:bodyPr>
-            <a:lstStyle/>
-            <a:p>
-              <a:r>
-                <a:rPr lang="en-US" altLang="ko-KR" sz="3600" b="1" dirty="0">
-                  <a:solidFill>
-                    <a:schemeClr val="bg1"/>
-                  </a:solidFill>
-                  <a:cs typeface="Arial" pitchFamily="34" charset="0"/>
-                </a:rPr>
-                <a:t>01</a:t>
-              </a:r>
-              <a:endParaRPr lang="ko-KR" altLang="en-US" sz="3600" b="1" dirty="0">
-                <a:solidFill>
-                  <a:schemeClr val="bg1"/>
-                </a:solidFill>
-                <a:cs typeface="Arial" pitchFamily="34" charset="0"/>
-              </a:endParaRPr>
-            </a:p>
-          </p:txBody>
-        </p:sp>
-        <p:grpSp>
-          <p:nvGrpSpPr>
-            <p:cNvPr id="16" name="Group 8">
-              <a:extLst>
-                <a:ext uri="{FF2B5EF4-FFF2-40B4-BE49-F238E27FC236}">
-                  <a16:creationId xmlns:a16="http://schemas.microsoft.com/office/drawing/2014/main" id="{F2347D27-CBF4-4C54-88D4-73796B01CD9E}"/>
-                </a:ext>
-              </a:extLst>
-            </p:cNvPr>
-            <p:cNvGrpSpPr/>
-            <p:nvPr/>
-          </p:nvGrpSpPr>
-          <p:grpSpPr>
-            <a:xfrm>
-              <a:off x="3354985" y="2554677"/>
-              <a:ext cx="2078218" cy="3544563"/>
-              <a:chOff x="2227884" y="1330362"/>
-              <a:chExt cx="3253999" cy="3544563"/>
-            </a:xfrm>
-          </p:grpSpPr>
-          <p:sp>
-            <p:nvSpPr>
-              <p:cNvPr id="17" name="TextBox 16">
-                <a:extLst>
-                  <a:ext uri="{FF2B5EF4-FFF2-40B4-BE49-F238E27FC236}">
-                    <a16:creationId xmlns:a16="http://schemas.microsoft.com/office/drawing/2014/main" id="{6005EE87-D4A6-46A8-8048-2CF23D87E578}"/>
-                  </a:ext>
-                </a:extLst>
-              </p:cNvPr>
-              <p:cNvSpPr txBox="1"/>
-              <p:nvPr/>
-            </p:nvSpPr>
-            <p:spPr>
-              <a:xfrm>
-                <a:off x="2227884" y="1827937"/>
-                <a:ext cx="3253999" cy="3046988"/>
-              </a:xfrm>
-              <a:prstGeom prst="rect">
-                <a:avLst/>
-              </a:prstGeom>
-              <a:noFill/>
-            </p:spPr>
-            <p:txBody>
-              <a:bodyPr wrap="square" rtlCol="0">
-                <a:spAutoFit/>
-              </a:bodyPr>
-              <a:lstStyle/>
-              <a:p>
-                <a:r>
-                  <a:rPr lang="en-US" altLang="ko-KR" sz="1200" dirty="0">
-                    <a:solidFill>
-                      <a:schemeClr val="bg1"/>
-                    </a:solidFill>
-                    <a:cs typeface="Arial" pitchFamily="34" charset="0"/>
-                  </a:rPr>
-                  <a:t>Easy to change colors, photos and Text. Get a modern PowerPoint  Presentation that is beautifully designed. I hope and I believe that this Template will your Time, Money and Reputation. Easy to change colors, photos and Text. Easy to change colors, photos and Text. </a:t>
-                </a:r>
-              </a:p>
-              <a:p>
-                <a:endParaRPr lang="en-US" altLang="ko-KR" sz="1200" dirty="0">
-                  <a:solidFill>
-                    <a:schemeClr val="bg1"/>
-                  </a:solidFill>
-                  <a:cs typeface="Arial" pitchFamily="34" charset="0"/>
-                </a:endParaRPr>
-              </a:p>
-              <a:p>
-                <a:r>
-                  <a:rPr lang="en-US" altLang="ko-KR" sz="1200" dirty="0">
-                    <a:solidFill>
-                      <a:schemeClr val="bg1"/>
-                    </a:solidFill>
-                    <a:cs typeface="Arial" pitchFamily="34" charset="0"/>
-                  </a:rPr>
-                  <a:t>Get a modern PowerPoint  Presentation that is beautifully designed. </a:t>
-                </a:r>
-              </a:p>
-            </p:txBody>
-          </p:sp>
-          <p:sp>
-            <p:nvSpPr>
-              <p:cNvPr id="18" name="TextBox 17">
-                <a:extLst>
-                  <a:ext uri="{FF2B5EF4-FFF2-40B4-BE49-F238E27FC236}">
-                    <a16:creationId xmlns:a16="http://schemas.microsoft.com/office/drawing/2014/main" id="{BAAA36D9-E47B-4E2A-ABF5-3189003E4F4F}"/>
-                  </a:ext>
-                </a:extLst>
-              </p:cNvPr>
-              <p:cNvSpPr txBox="1"/>
-              <p:nvPr/>
-            </p:nvSpPr>
-            <p:spPr>
-              <a:xfrm>
-                <a:off x="2227884" y="1330362"/>
-                <a:ext cx="3253999" cy="461665"/>
-              </a:xfrm>
-              <a:prstGeom prst="rect">
-                <a:avLst/>
-              </a:prstGeom>
-              <a:noFill/>
-            </p:spPr>
-            <p:txBody>
-              <a:bodyPr wrap="square" rtlCol="0">
-                <a:spAutoFit/>
-              </a:bodyPr>
-              <a:lstStyle/>
-              <a:p>
-                <a:r>
-                  <a:rPr lang="en-US" altLang="ko-KR" sz="1200" b="1" dirty="0">
-                    <a:solidFill>
-                      <a:schemeClr val="bg1"/>
-                    </a:solidFill>
-                    <a:cs typeface="Arial" pitchFamily="34" charset="0"/>
-                  </a:rPr>
-                  <a:t>Easy to change colors, photos and Text.</a:t>
-                </a:r>
-                <a:endParaRPr lang="ko-KR" altLang="en-US" sz="1200" b="1" dirty="0">
-                  <a:solidFill>
-                    <a:schemeClr val="bg1"/>
-                  </a:solidFill>
-                  <a:cs typeface="Arial" pitchFamily="34" charset="0"/>
-                </a:endParaRPr>
-              </a:p>
-            </p:txBody>
-          </p:sp>
-        </p:grpSp>
-      </p:grpSp>
-      <p:grpSp>
-        <p:nvGrpSpPr>
-          <p:cNvPr id="19" name="Group 11">
-            <a:extLst>
-              <a:ext uri="{FF2B5EF4-FFF2-40B4-BE49-F238E27FC236}">
-                <a16:creationId xmlns:a16="http://schemas.microsoft.com/office/drawing/2014/main" id="{C811AB08-2C58-4F3E-945E-821C4777CF0B}"/>
-              </a:ext>
-            </a:extLst>
-          </p:cNvPr>
-          <p:cNvGrpSpPr/>
-          <p:nvPr/>
-        </p:nvGrpSpPr>
-        <p:grpSpPr>
-          <a:xfrm>
-            <a:off x="9257210" y="1453369"/>
-            <a:ext cx="2078218" cy="4244679"/>
-            <a:chOff x="7171409" y="1854561"/>
-            <a:chExt cx="2078218" cy="4244679"/>
-          </a:xfrm>
-        </p:grpSpPr>
-        <p:grpSp>
-          <p:nvGrpSpPr>
-            <p:cNvPr id="20" name="Group 12">
-              <a:extLst>
-                <a:ext uri="{FF2B5EF4-FFF2-40B4-BE49-F238E27FC236}">
-                  <a16:creationId xmlns:a16="http://schemas.microsoft.com/office/drawing/2014/main" id="{E96E3B6F-2B80-4D3A-B954-0F22C141B548}"/>
-                </a:ext>
-              </a:extLst>
-            </p:cNvPr>
-            <p:cNvGrpSpPr/>
-            <p:nvPr/>
-          </p:nvGrpSpPr>
-          <p:grpSpPr>
-            <a:xfrm>
-              <a:off x="7171409" y="2554677"/>
-              <a:ext cx="2078218" cy="3544563"/>
-              <a:chOff x="2227884" y="1330362"/>
-              <a:chExt cx="3253999" cy="3544563"/>
-            </a:xfrm>
-          </p:grpSpPr>
-          <p:sp>
-            <p:nvSpPr>
-              <p:cNvPr id="22" name="TextBox 21">
-                <a:extLst>
-                  <a:ext uri="{FF2B5EF4-FFF2-40B4-BE49-F238E27FC236}">
-                    <a16:creationId xmlns:a16="http://schemas.microsoft.com/office/drawing/2014/main" id="{6318C402-AAB2-465C-8300-47FC1007395C}"/>
-                  </a:ext>
-                </a:extLst>
-              </p:cNvPr>
-              <p:cNvSpPr txBox="1"/>
-              <p:nvPr/>
-            </p:nvSpPr>
-            <p:spPr>
-              <a:xfrm>
-                <a:off x="2227884" y="1827937"/>
-                <a:ext cx="3253999" cy="3046988"/>
-              </a:xfrm>
-              <a:prstGeom prst="rect">
-                <a:avLst/>
-              </a:prstGeom>
-              <a:noFill/>
-            </p:spPr>
-            <p:txBody>
-              <a:bodyPr wrap="square" rtlCol="0">
-                <a:spAutoFit/>
-              </a:bodyPr>
-              <a:lstStyle/>
-              <a:p>
-                <a:r>
-                  <a:rPr lang="en-US" altLang="ko-KR" sz="1200" dirty="0">
-                    <a:solidFill>
-                      <a:schemeClr val="bg1"/>
-                    </a:solidFill>
-                    <a:cs typeface="Arial" pitchFamily="34" charset="0"/>
-                  </a:rPr>
-                  <a:t>Easy to change colors, photos and Text. Get a modern PowerPoint  Presentation that is beautifully designed. I hope and I believe that this Template will your Time, Money and Reputation. Easy to change colors, photos and Text. Easy to change colors, photos and Text. </a:t>
-                </a:r>
-              </a:p>
-              <a:p>
-                <a:endParaRPr lang="en-US" altLang="ko-KR" sz="1200" dirty="0">
-                  <a:solidFill>
-                    <a:schemeClr val="bg1"/>
-                  </a:solidFill>
-                  <a:cs typeface="Arial" pitchFamily="34" charset="0"/>
-                </a:endParaRPr>
-              </a:p>
-              <a:p>
-                <a:r>
-                  <a:rPr lang="en-US" altLang="ko-KR" sz="1200" dirty="0">
-                    <a:solidFill>
-                      <a:schemeClr val="bg1"/>
-                    </a:solidFill>
-                    <a:cs typeface="Arial" pitchFamily="34" charset="0"/>
-                  </a:rPr>
-                  <a:t>Get a modern PowerPoint  Presentation that is beautifully designed. </a:t>
-                </a:r>
-              </a:p>
-            </p:txBody>
-          </p:sp>
-          <p:sp>
-            <p:nvSpPr>
-              <p:cNvPr id="23" name="TextBox 22">
-                <a:extLst>
-                  <a:ext uri="{FF2B5EF4-FFF2-40B4-BE49-F238E27FC236}">
-                    <a16:creationId xmlns:a16="http://schemas.microsoft.com/office/drawing/2014/main" id="{AF718E5A-EF46-46AD-BA83-736BADF6BEC9}"/>
-                  </a:ext>
-                </a:extLst>
-              </p:cNvPr>
-              <p:cNvSpPr txBox="1"/>
-              <p:nvPr/>
-            </p:nvSpPr>
-            <p:spPr>
-              <a:xfrm>
-                <a:off x="2227884" y="1330362"/>
-                <a:ext cx="3253999" cy="461665"/>
-              </a:xfrm>
-              <a:prstGeom prst="rect">
-                <a:avLst/>
-              </a:prstGeom>
-              <a:noFill/>
-            </p:spPr>
-            <p:txBody>
-              <a:bodyPr wrap="square" rtlCol="0">
-                <a:spAutoFit/>
-              </a:bodyPr>
-              <a:lstStyle/>
-              <a:p>
-                <a:r>
-                  <a:rPr lang="en-US" altLang="ko-KR" sz="1200" b="1" dirty="0">
-                    <a:solidFill>
-                      <a:schemeClr val="bg1"/>
-                    </a:solidFill>
-                    <a:cs typeface="Arial" pitchFamily="34" charset="0"/>
-                  </a:rPr>
-                  <a:t>Easy to change colors, photos and Text.</a:t>
-                </a:r>
-                <a:endParaRPr lang="ko-KR" altLang="en-US" sz="1200" b="1" dirty="0">
-                  <a:solidFill>
-                    <a:schemeClr val="bg1"/>
-                  </a:solidFill>
-                  <a:cs typeface="Arial" pitchFamily="34" charset="0"/>
-                </a:endParaRPr>
-              </a:p>
-            </p:txBody>
-          </p:sp>
-        </p:grpSp>
-        <p:sp>
-          <p:nvSpPr>
-            <p:cNvPr id="21" name="TextBox 20">
-              <a:extLst>
-                <a:ext uri="{FF2B5EF4-FFF2-40B4-BE49-F238E27FC236}">
-                  <a16:creationId xmlns:a16="http://schemas.microsoft.com/office/drawing/2014/main" id="{FFBB9188-1DD6-4A12-8DB3-4175CFEAF59C}"/>
-                </a:ext>
-              </a:extLst>
-            </p:cNvPr>
-            <p:cNvSpPr txBox="1"/>
-            <p:nvPr/>
-          </p:nvSpPr>
-          <p:spPr>
-            <a:xfrm>
-              <a:off x="7171409" y="1854561"/>
-              <a:ext cx="697627" cy="646331"/>
-            </a:xfrm>
-            <a:prstGeom prst="rect">
-              <a:avLst/>
-            </a:prstGeom>
-            <a:noFill/>
-          </p:spPr>
-          <p:txBody>
-            <a:bodyPr wrap="none" rtlCol="0">
-              <a:spAutoFit/>
-            </a:bodyPr>
-            <a:lstStyle/>
-            <a:p>
-              <a:r>
-                <a:rPr lang="en-US" altLang="ko-KR" sz="3600" b="1" dirty="0">
-                  <a:solidFill>
-                    <a:schemeClr val="bg1"/>
-                  </a:solidFill>
-                  <a:cs typeface="Arial" pitchFamily="34" charset="0"/>
-                </a:rPr>
-                <a:t>03</a:t>
-              </a:r>
-              <a:endParaRPr lang="ko-KR" altLang="en-US" sz="3600" b="1" dirty="0">
-                <a:solidFill>
-                  <a:schemeClr val="bg1"/>
-                </a:solidFill>
-                <a:cs typeface="Arial" pitchFamily="34" charset="0"/>
-              </a:endParaRPr>
-            </a:p>
-          </p:txBody>
-        </p:sp>
-      </p:grpSp>
-    </p:spTree>
-    <p:extLst>
-      <p:ext uri="{BB962C8B-B14F-4D97-AF65-F5344CB8AC3E}">
-        <p14:creationId xmlns:p14="http://schemas.microsoft.com/office/powerpoint/2010/main" val="689816630"/>
       </p:ext>
     </p:extLst>
   </p:cSld>
